--- a/Graph_TopSort/top_sort.pptx
+++ b/Graph_TopSort/top_sort.pptx
@@ -167,7 +167,7 @@
           <a:noFill/>
           <a:extLst>
             <a:ext uri="{909E8E84-426E-40dd-AFC4-6F175D3DCCD1}">
-              <a14:hiddenFill xmlns="" xmlns:a14="http://schemas.microsoft.com/office/drawing/2010/main">
+              <a14:hiddenFill xmlns:a14="http://schemas.microsoft.com/office/drawing/2010/main" xmlns="">
                 <a:solidFill>
                   <a:srgbClr val="FFFFFF"/>
                 </a:solidFill>
@@ -227,7 +227,7 @@
             </a:ln>
             <a:extLst>
               <a:ext uri="{91240B29-F687-4f45-9708-019B960494DF}">
-                <a14:hiddenLine xmlns="" xmlns:a14="http://schemas.microsoft.com/office/drawing/2010/main" w="9525">
+                <a14:hiddenLine xmlns:a14="http://schemas.microsoft.com/office/drawing/2010/main" xmlns="" w="9525">
                   <a:solidFill>
                     <a:srgbClr val="000000"/>
                   </a:solidFill>
@@ -317,7 +317,7 @@
             </a:ln>
             <a:extLst>
               <a:ext uri="{91240B29-F687-4f45-9708-019B960494DF}">
-                <a14:hiddenLine xmlns="" xmlns:a14="http://schemas.microsoft.com/office/drawing/2010/main" w="9525">
+                <a14:hiddenLine xmlns:a14="http://schemas.microsoft.com/office/drawing/2010/main" xmlns="" w="9525">
                   <a:solidFill>
                     <a:srgbClr val="000000"/>
                   </a:solidFill>
@@ -407,7 +407,7 @@
             </a:ln>
             <a:extLst>
               <a:ext uri="{91240B29-F687-4f45-9708-019B960494DF}">
-                <a14:hiddenLine xmlns="" xmlns:a14="http://schemas.microsoft.com/office/drawing/2010/main" w="9525">
+                <a14:hiddenLine xmlns:a14="http://schemas.microsoft.com/office/drawing/2010/main" xmlns="" w="9525">
                   <a:solidFill>
                     <a:srgbClr val="000000"/>
                   </a:solidFill>
@@ -441,7 +441,7 @@
             </a:ln>
             <a:extLst>
               <a:ext uri="{91240B29-F687-4f45-9708-019B960494DF}">
-                <a14:hiddenLine xmlns="" xmlns:a14="http://schemas.microsoft.com/office/drawing/2010/main" w="9525">
+                <a14:hiddenLine xmlns:a14="http://schemas.microsoft.com/office/drawing/2010/main" xmlns="" w="9525">
                   <a:solidFill>
                     <a:srgbClr val="000000"/>
                   </a:solidFill>
@@ -531,7 +531,7 @@
             </a:ln>
             <a:extLst>
               <a:ext uri="{91240B29-F687-4f45-9708-019B960494DF}">
-                <a14:hiddenLine xmlns="" xmlns:a14="http://schemas.microsoft.com/office/drawing/2010/main" w="9525">
+                <a14:hiddenLine xmlns:a14="http://schemas.microsoft.com/office/drawing/2010/main" xmlns="" w="9525">
                   <a:solidFill>
                     <a:srgbClr val="000000"/>
                   </a:solidFill>
@@ -593,7 +593,7 @@
             </a:ln>
             <a:extLst>
               <a:ext uri="{91240B29-F687-4f45-9708-019B960494DF}">
-                <a14:hiddenLine xmlns="" xmlns:a14="http://schemas.microsoft.com/office/drawing/2010/main" w="9525">
+                <a14:hiddenLine xmlns:a14="http://schemas.microsoft.com/office/drawing/2010/main" xmlns="" w="9525">
                   <a:solidFill>
                     <a:srgbClr val="000000"/>
                   </a:solidFill>
@@ -655,7 +655,7 @@
             </a:ln>
             <a:extLst>
               <a:ext uri="{91240B29-F687-4f45-9708-019B960494DF}">
-                <a14:hiddenLine xmlns="" xmlns:a14="http://schemas.microsoft.com/office/drawing/2010/main" w="9525">
+                <a14:hiddenLine xmlns:a14="http://schemas.microsoft.com/office/drawing/2010/main" xmlns="" w="9525">
                   <a:solidFill>
                     <a:srgbClr val="000000"/>
                   </a:solidFill>
@@ -745,7 +745,7 @@
             </a:ln>
             <a:extLst>
               <a:ext uri="{91240B29-F687-4f45-9708-019B960494DF}">
-                <a14:hiddenLine xmlns="" xmlns:a14="http://schemas.microsoft.com/office/drawing/2010/main" w="9525">
+                <a14:hiddenLine xmlns:a14="http://schemas.microsoft.com/office/drawing/2010/main" xmlns="" w="9525">
                   <a:solidFill>
                     <a:srgbClr val="000000"/>
                   </a:solidFill>
@@ -807,7 +807,7 @@
             </a:ln>
             <a:extLst>
               <a:ext uri="{91240B29-F687-4f45-9708-019B960494DF}">
-                <a14:hiddenLine xmlns="" xmlns:a14="http://schemas.microsoft.com/office/drawing/2010/main" w="9525">
+                <a14:hiddenLine xmlns:a14="http://schemas.microsoft.com/office/drawing/2010/main" xmlns="" w="9525">
                   <a:solidFill>
                     <a:srgbClr val="000000"/>
                   </a:solidFill>
@@ -869,7 +869,7 @@
             </a:ln>
             <a:extLst>
               <a:ext uri="{91240B29-F687-4f45-9708-019B960494DF}">
-                <a14:hiddenLine xmlns="" xmlns:a14="http://schemas.microsoft.com/office/drawing/2010/main" w="9525">
+                <a14:hiddenLine xmlns:a14="http://schemas.microsoft.com/office/drawing/2010/main" xmlns="" w="9525">
                   <a:solidFill>
                     <a:srgbClr val="000000"/>
                   </a:solidFill>
@@ -959,7 +959,7 @@
             </a:ln>
             <a:extLst>
               <a:ext uri="{91240B29-F687-4f45-9708-019B960494DF}">
-                <a14:hiddenLine xmlns="" xmlns:a14="http://schemas.microsoft.com/office/drawing/2010/main" w="9525">
+                <a14:hiddenLine xmlns:a14="http://schemas.microsoft.com/office/drawing/2010/main" xmlns="" w="9525">
                   <a:solidFill>
                     <a:srgbClr val="000000"/>
                   </a:solidFill>
@@ -1049,7 +1049,7 @@
             </a:ln>
             <a:extLst>
               <a:ext uri="{91240B29-F687-4f45-9708-019B960494DF}">
-                <a14:hiddenLine xmlns="" xmlns:a14="http://schemas.microsoft.com/office/drawing/2010/main" w="9525">
+                <a14:hiddenLine xmlns:a14="http://schemas.microsoft.com/office/drawing/2010/main" xmlns="" w="9525">
                   <a:solidFill>
                     <a:srgbClr val="000000"/>
                   </a:solidFill>
@@ -1111,7 +1111,7 @@
             </a:ln>
             <a:extLst>
               <a:ext uri="{91240B29-F687-4f45-9708-019B960494DF}">
-                <a14:hiddenLine xmlns="" xmlns:a14="http://schemas.microsoft.com/office/drawing/2010/main" w="9525">
+                <a14:hiddenLine xmlns:a14="http://schemas.microsoft.com/office/drawing/2010/main" xmlns="" w="9525">
                   <a:solidFill>
                     <a:srgbClr val="000000"/>
                   </a:solidFill>
@@ -1221,7 +1221,7 @@
             </a:ln>
             <a:extLst>
               <a:ext uri="{91240B29-F687-4f45-9708-019B960494DF}">
-                <a14:hiddenLine xmlns="" xmlns:a14="http://schemas.microsoft.com/office/drawing/2010/main" w="9525">
+                <a14:hiddenLine xmlns:a14="http://schemas.microsoft.com/office/drawing/2010/main" xmlns="" w="9525">
                   <a:solidFill>
                     <a:srgbClr val="000000"/>
                   </a:solidFill>
@@ -1283,7 +1283,7 @@
             </a:ln>
             <a:extLst>
               <a:ext uri="{91240B29-F687-4f45-9708-019B960494DF}">
-                <a14:hiddenLine xmlns="" xmlns:a14="http://schemas.microsoft.com/office/drawing/2010/main" w="9525">
+                <a14:hiddenLine xmlns:a14="http://schemas.microsoft.com/office/drawing/2010/main" xmlns="" w="9525">
                   <a:solidFill>
                     <a:srgbClr val="000000"/>
                   </a:solidFill>
@@ -1373,7 +1373,7 @@
             </a:ln>
             <a:extLst>
               <a:ext uri="{91240B29-F687-4f45-9708-019B960494DF}">
-                <a14:hiddenLine xmlns="" xmlns:a14="http://schemas.microsoft.com/office/drawing/2010/main" w="9525">
+                <a14:hiddenLine xmlns:a14="http://schemas.microsoft.com/office/drawing/2010/main" xmlns="" w="9525">
                   <a:solidFill>
                     <a:srgbClr val="000000"/>
                   </a:solidFill>
@@ -1463,7 +1463,7 @@
             </a:ln>
             <a:extLst>
               <a:ext uri="{91240B29-F687-4f45-9708-019B960494DF}">
-                <a14:hiddenLine xmlns="" xmlns:a14="http://schemas.microsoft.com/office/drawing/2010/main" w="9525">
+                <a14:hiddenLine xmlns:a14="http://schemas.microsoft.com/office/drawing/2010/main" xmlns="" w="9525">
                   <a:solidFill>
                     <a:srgbClr val="000000"/>
                   </a:solidFill>
@@ -1525,7 +1525,7 @@
             </a:ln>
             <a:extLst>
               <a:ext uri="{91240B29-F687-4f45-9708-019B960494DF}">
-                <a14:hiddenLine xmlns="" xmlns:a14="http://schemas.microsoft.com/office/drawing/2010/main" w="9525">
+                <a14:hiddenLine xmlns:a14="http://schemas.microsoft.com/office/drawing/2010/main" xmlns="" w="9525">
                   <a:solidFill>
                     <a:srgbClr val="000000"/>
                   </a:solidFill>
@@ -1615,7 +1615,7 @@
             </a:ln>
             <a:extLst>
               <a:ext uri="{91240B29-F687-4f45-9708-019B960494DF}">
-                <a14:hiddenLine xmlns="" xmlns:a14="http://schemas.microsoft.com/office/drawing/2010/main" w="9525">
+                <a14:hiddenLine xmlns:a14="http://schemas.microsoft.com/office/drawing/2010/main" xmlns="" w="9525">
                   <a:solidFill>
                     <a:srgbClr val="000000"/>
                   </a:solidFill>
@@ -1705,7 +1705,7 @@
             </a:ln>
             <a:extLst>
               <a:ext uri="{91240B29-F687-4f45-9708-019B960494DF}">
-                <a14:hiddenLine xmlns="" xmlns:a14="http://schemas.microsoft.com/office/drawing/2010/main" w="9525">
+                <a14:hiddenLine xmlns:a14="http://schemas.microsoft.com/office/drawing/2010/main" xmlns="" w="9525">
                   <a:solidFill>
                     <a:srgbClr val="000000"/>
                   </a:solidFill>
@@ -1761,7 +1761,7 @@
             </a:ln>
             <a:extLst>
               <a:ext uri="{91240B29-F687-4f45-9708-019B960494DF}">
-                <a14:hiddenLine xmlns="" xmlns:a14="http://schemas.microsoft.com/office/drawing/2010/main" w="9525">
+                <a14:hiddenLine xmlns:a14="http://schemas.microsoft.com/office/drawing/2010/main" xmlns="" w="9525">
                   <a:solidFill>
                     <a:srgbClr val="000000"/>
                   </a:solidFill>
@@ -1851,7 +1851,7 @@
             </a:ln>
             <a:extLst>
               <a:ext uri="{91240B29-F687-4f45-9708-019B960494DF}">
-                <a14:hiddenLine xmlns="" xmlns:a14="http://schemas.microsoft.com/office/drawing/2010/main" w="9525">
+                <a14:hiddenLine xmlns:a14="http://schemas.microsoft.com/office/drawing/2010/main" xmlns="" w="9525">
                   <a:solidFill>
                     <a:srgbClr val="000000"/>
                   </a:solidFill>
@@ -1907,7 +1907,7 @@
             </a:ln>
             <a:extLst>
               <a:ext uri="{91240B29-F687-4f45-9708-019B960494DF}">
-                <a14:hiddenLine xmlns="" xmlns:a14="http://schemas.microsoft.com/office/drawing/2010/main" w="9525">
+                <a14:hiddenLine xmlns:a14="http://schemas.microsoft.com/office/drawing/2010/main" xmlns="" w="9525">
                   <a:solidFill>
                     <a:srgbClr val="000000"/>
                   </a:solidFill>
@@ -1997,7 +1997,7 @@
             </a:ln>
             <a:extLst>
               <a:ext uri="{91240B29-F687-4f45-9708-019B960494DF}">
-                <a14:hiddenLine xmlns="" xmlns:a14="http://schemas.microsoft.com/office/drawing/2010/main" w="9525">
+                <a14:hiddenLine xmlns:a14="http://schemas.microsoft.com/office/drawing/2010/main" xmlns="" w="9525">
                   <a:solidFill>
                     <a:srgbClr val="000000"/>
                   </a:solidFill>
@@ -2065,7 +2065,7 @@
             </a:ln>
             <a:extLst>
               <a:ext uri="{91240B29-F687-4f45-9708-019B960494DF}">
-                <a14:hiddenLine xmlns="" xmlns:a14="http://schemas.microsoft.com/office/drawing/2010/main" w="9525">
+                <a14:hiddenLine xmlns:a14="http://schemas.microsoft.com/office/drawing/2010/main" xmlns="" w="9525">
                   <a:solidFill>
                     <a:srgbClr val="000000"/>
                   </a:solidFill>
@@ -2155,7 +2155,7 @@
             </a:ln>
             <a:extLst>
               <a:ext uri="{91240B29-F687-4f45-9708-019B960494DF}">
-                <a14:hiddenLine xmlns="" xmlns:a14="http://schemas.microsoft.com/office/drawing/2010/main" w="9525">
+                <a14:hiddenLine xmlns:a14="http://schemas.microsoft.com/office/drawing/2010/main" xmlns="" w="9525">
                   <a:solidFill>
                     <a:srgbClr val="000000"/>
                   </a:solidFill>
@@ -2223,7 +2223,7 @@
             </a:ln>
             <a:extLst>
               <a:ext uri="{91240B29-F687-4f45-9708-019B960494DF}">
-                <a14:hiddenLine xmlns="" xmlns:a14="http://schemas.microsoft.com/office/drawing/2010/main" w="9525">
+                <a14:hiddenLine xmlns:a14="http://schemas.microsoft.com/office/drawing/2010/main" xmlns="" w="9525">
                   <a:solidFill>
                     <a:srgbClr val="000000"/>
                   </a:solidFill>
@@ -2313,7 +2313,7 @@
             </a:ln>
             <a:extLst>
               <a:ext uri="{91240B29-F687-4f45-9708-019B960494DF}">
-                <a14:hiddenLine xmlns="" xmlns:a14="http://schemas.microsoft.com/office/drawing/2010/main" w="9525">
+                <a14:hiddenLine xmlns:a14="http://schemas.microsoft.com/office/drawing/2010/main" xmlns="" w="9525">
                   <a:solidFill>
                     <a:srgbClr val="000000"/>
                   </a:solidFill>
@@ -2347,7 +2347,7 @@
             </a:ln>
             <a:extLst>
               <a:ext uri="{91240B29-F687-4f45-9708-019B960494DF}">
-                <a14:hiddenLine xmlns="" xmlns:a14="http://schemas.microsoft.com/office/drawing/2010/main" w="9525">
+                <a14:hiddenLine xmlns:a14="http://schemas.microsoft.com/office/drawing/2010/main" xmlns="" w="9525">
                   <a:solidFill>
                     <a:srgbClr val="000000"/>
                   </a:solidFill>
@@ -2437,7 +2437,7 @@
             </a:ln>
             <a:extLst>
               <a:ext uri="{91240B29-F687-4f45-9708-019B960494DF}">
-                <a14:hiddenLine xmlns="" xmlns:a14="http://schemas.microsoft.com/office/drawing/2010/main" w="9525">
+                <a14:hiddenLine xmlns:a14="http://schemas.microsoft.com/office/drawing/2010/main" xmlns="" w="9525">
                   <a:solidFill>
                     <a:srgbClr val="000000"/>
                   </a:solidFill>
@@ -2499,7 +2499,7 @@
             </a:ln>
             <a:extLst>
               <a:ext uri="{91240B29-F687-4f45-9708-019B960494DF}">
-                <a14:hiddenLine xmlns="" xmlns:a14="http://schemas.microsoft.com/office/drawing/2010/main" w="9525">
+                <a14:hiddenLine xmlns:a14="http://schemas.microsoft.com/office/drawing/2010/main" xmlns="" w="9525">
                   <a:solidFill>
                     <a:srgbClr val="000000"/>
                   </a:solidFill>
@@ -2561,7 +2561,7 @@
             </a:ln>
             <a:extLst>
               <a:ext uri="{91240B29-F687-4f45-9708-019B960494DF}">
-                <a14:hiddenLine xmlns="" xmlns:a14="http://schemas.microsoft.com/office/drawing/2010/main" w="9525">
+                <a14:hiddenLine xmlns:a14="http://schemas.microsoft.com/office/drawing/2010/main" xmlns="" w="9525">
                   <a:solidFill>
                     <a:srgbClr val="000000"/>
                   </a:solidFill>
@@ -2651,7 +2651,7 @@
             </a:ln>
             <a:extLst>
               <a:ext uri="{91240B29-F687-4f45-9708-019B960494DF}">
-                <a14:hiddenLine xmlns="" xmlns:a14="http://schemas.microsoft.com/office/drawing/2010/main" w="9525">
+                <a14:hiddenLine xmlns:a14="http://schemas.microsoft.com/office/drawing/2010/main" xmlns="" w="9525">
                   <a:solidFill>
                     <a:srgbClr val="000000"/>
                   </a:solidFill>
@@ -2719,7 +2719,7 @@
             </a:ln>
             <a:extLst>
               <a:ext uri="{91240B29-F687-4f45-9708-019B960494DF}">
-                <a14:hiddenLine xmlns="" xmlns:a14="http://schemas.microsoft.com/office/drawing/2010/main" w="9525">
+                <a14:hiddenLine xmlns:a14="http://schemas.microsoft.com/office/drawing/2010/main" xmlns="" w="9525">
                   <a:solidFill>
                     <a:srgbClr val="000000"/>
                   </a:solidFill>
@@ -2781,7 +2781,7 @@
             </a:ln>
             <a:extLst>
               <a:ext uri="{91240B29-F687-4f45-9708-019B960494DF}">
-                <a14:hiddenLine xmlns="" xmlns:a14="http://schemas.microsoft.com/office/drawing/2010/main" w="9525">
+                <a14:hiddenLine xmlns:a14="http://schemas.microsoft.com/office/drawing/2010/main" xmlns="" w="9525">
                   <a:solidFill>
                     <a:srgbClr val="000000"/>
                   </a:solidFill>
@@ -2871,7 +2871,7 @@
             </a:ln>
             <a:extLst>
               <a:ext uri="{91240B29-F687-4f45-9708-019B960494DF}">
-                <a14:hiddenLine xmlns="" xmlns:a14="http://schemas.microsoft.com/office/drawing/2010/main" w="9525">
+                <a14:hiddenLine xmlns:a14="http://schemas.microsoft.com/office/drawing/2010/main" xmlns="" w="9525">
                   <a:solidFill>
                     <a:srgbClr val="000000"/>
                   </a:solidFill>
@@ -2933,7 +2933,7 @@
             </a:ln>
             <a:extLst>
               <a:ext uri="{91240B29-F687-4f45-9708-019B960494DF}">
-                <a14:hiddenLine xmlns="" xmlns:a14="http://schemas.microsoft.com/office/drawing/2010/main" w="9525">
+                <a14:hiddenLine xmlns:a14="http://schemas.microsoft.com/office/drawing/2010/main" xmlns="" w="9525">
                   <a:solidFill>
                     <a:srgbClr val="000000"/>
                   </a:solidFill>
@@ -3023,7 +3023,7 @@
             </a:ln>
             <a:extLst>
               <a:ext uri="{91240B29-F687-4f45-9708-019B960494DF}">
-                <a14:hiddenLine xmlns="" xmlns:a14="http://schemas.microsoft.com/office/drawing/2010/main" w="9525">
+                <a14:hiddenLine xmlns:a14="http://schemas.microsoft.com/office/drawing/2010/main" xmlns="" w="9525">
                   <a:solidFill>
                     <a:srgbClr val="000000"/>
                   </a:solidFill>
@@ -3085,7 +3085,7 @@
             </a:ln>
             <a:extLst>
               <a:ext uri="{91240B29-F687-4f45-9708-019B960494DF}">
-                <a14:hiddenLine xmlns="" xmlns:a14="http://schemas.microsoft.com/office/drawing/2010/main" w="9525">
+                <a14:hiddenLine xmlns:a14="http://schemas.microsoft.com/office/drawing/2010/main" xmlns="" w="9525">
                   <a:solidFill>
                     <a:srgbClr val="000000"/>
                   </a:solidFill>
@@ -3175,7 +3175,7 @@
             </a:ln>
             <a:extLst>
               <a:ext uri="{91240B29-F687-4f45-9708-019B960494DF}">
-                <a14:hiddenLine xmlns="" xmlns:a14="http://schemas.microsoft.com/office/drawing/2010/main" w="9525">
+                <a14:hiddenLine xmlns:a14="http://schemas.microsoft.com/office/drawing/2010/main" xmlns="" w="9525">
                   <a:solidFill>
                     <a:srgbClr val="000000"/>
                   </a:solidFill>
@@ -3209,7 +3209,7 @@
             </a:ln>
             <a:extLst>
               <a:ext uri="{91240B29-F687-4f45-9708-019B960494DF}">
-                <a14:hiddenLine xmlns="" xmlns:a14="http://schemas.microsoft.com/office/drawing/2010/main" w="9525">
+                <a14:hiddenLine xmlns:a14="http://schemas.microsoft.com/office/drawing/2010/main" xmlns="" w="9525">
                   <a:solidFill>
                     <a:srgbClr val="000000"/>
                   </a:solidFill>
@@ -3274,7 +3274,7 @@
             </a:ln>
             <a:extLst>
               <a:ext uri="{91240B29-F687-4f45-9708-019B960494DF}">
-                <a14:hiddenLine xmlns="" xmlns:a14="http://schemas.microsoft.com/office/drawing/2010/main" w="9525">
+                <a14:hiddenLine xmlns:a14="http://schemas.microsoft.com/office/drawing/2010/main" xmlns="" w="9525">
                   <a:solidFill>
                     <a:srgbClr val="000000"/>
                   </a:solidFill>
@@ -3364,7 +3364,7 @@
             </a:ln>
             <a:extLst>
               <a:ext uri="{91240B29-F687-4f45-9708-019B960494DF}">
-                <a14:hiddenLine xmlns="" xmlns:a14="http://schemas.microsoft.com/office/drawing/2010/main" w="9525">
+                <a14:hiddenLine xmlns:a14="http://schemas.microsoft.com/office/drawing/2010/main" xmlns="" w="9525">
                   <a:solidFill>
                     <a:srgbClr val="000000"/>
                   </a:solidFill>
@@ -3426,7 +3426,7 @@
             </a:ln>
             <a:extLst>
               <a:ext uri="{91240B29-F687-4f45-9708-019B960494DF}">
-                <a14:hiddenLine xmlns="" xmlns:a14="http://schemas.microsoft.com/office/drawing/2010/main" w="9525">
+                <a14:hiddenLine xmlns:a14="http://schemas.microsoft.com/office/drawing/2010/main" xmlns="" w="9525">
                   <a:solidFill>
                     <a:srgbClr val="000000"/>
                   </a:solidFill>
@@ -3516,7 +3516,7 @@
             </a:ln>
             <a:extLst>
               <a:ext uri="{91240B29-F687-4f45-9708-019B960494DF}">
-                <a14:hiddenLine xmlns="" xmlns:a14="http://schemas.microsoft.com/office/drawing/2010/main" w="9525">
+                <a14:hiddenLine xmlns:a14="http://schemas.microsoft.com/office/drawing/2010/main" xmlns="" w="9525">
                   <a:solidFill>
                     <a:srgbClr val="000000"/>
                   </a:solidFill>
@@ -3606,7 +3606,7 @@
             </a:ln>
             <a:extLst>
               <a:ext uri="{91240B29-F687-4f45-9708-019B960494DF}">
-                <a14:hiddenLine xmlns="" xmlns:a14="http://schemas.microsoft.com/office/drawing/2010/main" w="9525">
+                <a14:hiddenLine xmlns:a14="http://schemas.microsoft.com/office/drawing/2010/main" xmlns="" w="9525">
                   <a:solidFill>
                     <a:srgbClr val="000000"/>
                   </a:solidFill>
@@ -3671,7 +3671,7 @@
             </a:ln>
             <a:extLst>
               <a:ext uri="{91240B29-F687-4f45-9708-019B960494DF}">
-                <a14:hiddenLine xmlns="" xmlns:a14="http://schemas.microsoft.com/office/drawing/2010/main" w="9525">
+                <a14:hiddenLine xmlns:a14="http://schemas.microsoft.com/office/drawing/2010/main" xmlns="" w="9525">
                   <a:solidFill>
                     <a:srgbClr val="000000"/>
                   </a:solidFill>
@@ -3733,7 +3733,7 @@
             </a:ln>
             <a:extLst>
               <a:ext uri="{91240B29-F687-4f45-9708-019B960494DF}">
-                <a14:hiddenLine xmlns="" xmlns:a14="http://schemas.microsoft.com/office/drawing/2010/main" w="9525">
+                <a14:hiddenLine xmlns:a14="http://schemas.microsoft.com/office/drawing/2010/main" xmlns="" w="9525">
                   <a:solidFill>
                     <a:srgbClr val="000000"/>
                   </a:solidFill>
@@ -3823,7 +3823,7 @@
             </a:ln>
             <a:extLst>
               <a:ext uri="{91240B29-F687-4f45-9708-019B960494DF}">
-                <a14:hiddenLine xmlns="" xmlns:a14="http://schemas.microsoft.com/office/drawing/2010/main" w="9525">
+                <a14:hiddenLine xmlns:a14="http://schemas.microsoft.com/office/drawing/2010/main" xmlns="" w="9525">
                   <a:solidFill>
                     <a:srgbClr val="000000"/>
                   </a:solidFill>
@@ -3913,7 +3913,7 @@
             </a:ln>
             <a:extLst>
               <a:ext uri="{91240B29-F687-4f45-9708-019B960494DF}">
-                <a14:hiddenLine xmlns="" xmlns:a14="http://schemas.microsoft.com/office/drawing/2010/main" w="9525">
+                <a14:hiddenLine xmlns:a14="http://schemas.microsoft.com/office/drawing/2010/main" xmlns="" w="9525">
                   <a:solidFill>
                     <a:srgbClr val="000000"/>
                   </a:solidFill>
@@ -3975,7 +3975,7 @@
             </a:ln>
             <a:extLst>
               <a:ext uri="{91240B29-F687-4f45-9708-019B960494DF}">
-                <a14:hiddenLine xmlns="" xmlns:a14="http://schemas.microsoft.com/office/drawing/2010/main" w="9525">
+                <a14:hiddenLine xmlns:a14="http://schemas.microsoft.com/office/drawing/2010/main" xmlns="" w="9525">
                   <a:solidFill>
                     <a:srgbClr val="000000"/>
                   </a:solidFill>
@@ -4095,7 +4095,7 @@
             </a:ln>
             <a:extLst>
               <a:ext uri="{91240B29-F687-4f45-9708-019B960494DF}">
-                <a14:hiddenLine xmlns="" xmlns:a14="http://schemas.microsoft.com/office/drawing/2010/main" w="9525">
+                <a14:hiddenLine xmlns:a14="http://schemas.microsoft.com/office/drawing/2010/main" xmlns="" w="9525">
                   <a:solidFill>
                     <a:srgbClr val="000000"/>
                   </a:solidFill>
@@ -4163,7 +4163,7 @@
             </a:ln>
             <a:extLst>
               <a:ext uri="{91240B29-F687-4f45-9708-019B960494DF}">
-                <a14:hiddenLine xmlns="" xmlns:a14="http://schemas.microsoft.com/office/drawing/2010/main" w="9525">
+                <a14:hiddenLine xmlns:a14="http://schemas.microsoft.com/office/drawing/2010/main" xmlns="" w="9525">
                   <a:solidFill>
                     <a:srgbClr val="000000"/>
                   </a:solidFill>
@@ -4253,7 +4253,7 @@
             </a:ln>
             <a:extLst>
               <a:ext uri="{91240B29-F687-4f45-9708-019B960494DF}">
-                <a14:hiddenLine xmlns="" xmlns:a14="http://schemas.microsoft.com/office/drawing/2010/main" w="9525">
+                <a14:hiddenLine xmlns:a14="http://schemas.microsoft.com/office/drawing/2010/main" xmlns="" w="9525">
                   <a:solidFill>
                     <a:srgbClr val="000000"/>
                   </a:solidFill>
@@ -4393,7 +4393,7 @@
           <a:p>
             <a:fld id="{C3600A06-36DD-406A-821E-53AD92F7ED8A}" type="datetimeFigureOut">
               <a:rPr lang="uk-UA" smtClean="0"/>
-              <a:t>26.02.2021</a:t>
+              <a:t>12.03.2021</a:t>
             </a:fld>
             <a:endParaRPr lang="uk-UA"/>
           </a:p>
@@ -4660,7 +4660,7 @@
           <a:p>
             <a:fld id="{C3600A06-36DD-406A-821E-53AD92F7ED8A}" type="datetimeFigureOut">
               <a:rPr lang="uk-UA" smtClean="0"/>
-              <a:t>26.02.2021</a:t>
+              <a:t>12.03.2021</a:t>
             </a:fld>
             <a:endParaRPr lang="uk-UA"/>
           </a:p>
@@ -4856,7 +4856,7 @@
           <a:p>
             <a:fld id="{C3600A06-36DD-406A-821E-53AD92F7ED8A}" type="datetimeFigureOut">
               <a:rPr lang="uk-UA" smtClean="0"/>
-              <a:t>26.02.2021</a:t>
+              <a:t>12.03.2021</a:t>
             </a:fld>
             <a:endParaRPr lang="uk-UA"/>
           </a:p>
@@ -5119,7 +5119,7 @@
           <a:p>
             <a:fld id="{C3600A06-36DD-406A-821E-53AD92F7ED8A}" type="datetimeFigureOut">
               <a:rPr lang="uk-UA" smtClean="0"/>
-              <a:t>26.02.2021</a:t>
+              <a:t>12.03.2021</a:t>
             </a:fld>
             <a:endParaRPr lang="uk-UA"/>
           </a:p>
@@ -5553,7 +5553,7 @@
           <a:p>
             <a:fld id="{C3600A06-36DD-406A-821E-53AD92F7ED8A}" type="datetimeFigureOut">
               <a:rPr lang="uk-UA" smtClean="0"/>
-              <a:t>26.02.2021</a:t>
+              <a:t>12.03.2021</a:t>
             </a:fld>
             <a:endParaRPr lang="uk-UA"/>
           </a:p>
@@ -6099,7 +6099,7 @@
           <a:p>
             <a:fld id="{C3600A06-36DD-406A-821E-53AD92F7ED8A}" type="datetimeFigureOut">
               <a:rPr lang="uk-UA" smtClean="0"/>
-              <a:t>26.02.2021</a:t>
+              <a:t>12.03.2021</a:t>
             </a:fld>
             <a:endParaRPr lang="uk-UA"/>
           </a:p>
@@ -6819,7 +6819,7 @@
           <a:p>
             <a:fld id="{C3600A06-36DD-406A-821E-53AD92F7ED8A}" type="datetimeFigureOut">
               <a:rPr lang="uk-UA" smtClean="0"/>
-              <a:t>26.02.2021</a:t>
+              <a:t>12.03.2021</a:t>
             </a:fld>
             <a:endParaRPr lang="uk-UA"/>
           </a:p>
@@ -6989,7 +6989,7 @@
           <a:p>
             <a:fld id="{C3600A06-36DD-406A-821E-53AD92F7ED8A}" type="datetimeFigureOut">
               <a:rPr lang="uk-UA" smtClean="0"/>
-              <a:t>26.02.2021</a:t>
+              <a:t>12.03.2021</a:t>
             </a:fld>
             <a:endParaRPr lang="uk-UA"/>
           </a:p>
@@ -7169,7 +7169,7 @@
           <a:p>
             <a:fld id="{C3600A06-36DD-406A-821E-53AD92F7ED8A}" type="datetimeFigureOut">
               <a:rPr lang="uk-UA" smtClean="0"/>
-              <a:t>26.02.2021</a:t>
+              <a:t>12.03.2021</a:t>
             </a:fld>
             <a:endParaRPr lang="uk-UA"/>
           </a:p>
@@ -7339,7 +7339,7 @@
           <a:p>
             <a:fld id="{C3600A06-36DD-406A-821E-53AD92F7ED8A}" type="datetimeFigureOut">
               <a:rPr lang="uk-UA" smtClean="0"/>
-              <a:t>26.02.2021</a:t>
+              <a:t>12.03.2021</a:t>
             </a:fld>
             <a:endParaRPr lang="uk-UA"/>
           </a:p>
@@ -7589,7 +7589,7 @@
           <a:p>
             <a:fld id="{C3600A06-36DD-406A-821E-53AD92F7ED8A}" type="datetimeFigureOut">
               <a:rPr lang="uk-UA" smtClean="0"/>
-              <a:t>26.02.2021</a:t>
+              <a:t>12.03.2021</a:t>
             </a:fld>
             <a:endParaRPr lang="uk-UA"/>
           </a:p>
@@ -7821,7 +7821,7 @@
           <a:p>
             <a:fld id="{C3600A06-36DD-406A-821E-53AD92F7ED8A}" type="datetimeFigureOut">
               <a:rPr lang="uk-UA" smtClean="0"/>
-              <a:t>26.02.2021</a:t>
+              <a:t>12.03.2021</a:t>
             </a:fld>
             <a:endParaRPr lang="uk-UA"/>
           </a:p>
@@ -8202,7 +8202,7 @@
           <a:p>
             <a:fld id="{C3600A06-36DD-406A-821E-53AD92F7ED8A}" type="datetimeFigureOut">
               <a:rPr lang="uk-UA" smtClean="0"/>
-              <a:t>26.02.2021</a:t>
+              <a:t>12.03.2021</a:t>
             </a:fld>
             <a:endParaRPr lang="uk-UA"/>
           </a:p>
@@ -8320,7 +8320,7 @@
           <a:p>
             <a:fld id="{C3600A06-36DD-406A-821E-53AD92F7ED8A}" type="datetimeFigureOut">
               <a:rPr lang="uk-UA" smtClean="0"/>
-              <a:t>26.02.2021</a:t>
+              <a:t>12.03.2021</a:t>
             </a:fld>
             <a:endParaRPr lang="uk-UA"/>
           </a:p>
@@ -8415,7 +8415,7 @@
           <a:p>
             <a:fld id="{C3600A06-36DD-406A-821E-53AD92F7ED8A}" type="datetimeFigureOut">
               <a:rPr lang="uk-UA" smtClean="0"/>
-              <a:t>26.02.2021</a:t>
+              <a:t>12.03.2021</a:t>
             </a:fld>
             <a:endParaRPr lang="uk-UA"/>
           </a:p>
@@ -8664,7 +8664,7 @@
           <a:p>
             <a:fld id="{C3600A06-36DD-406A-821E-53AD92F7ED8A}" type="datetimeFigureOut">
               <a:rPr lang="uk-UA" smtClean="0"/>
-              <a:t>26.02.2021</a:t>
+              <a:t>12.03.2021</a:t>
             </a:fld>
             <a:endParaRPr lang="uk-UA"/>
           </a:p>
@@ -8944,7 +8944,7 @@
           <a:p>
             <a:fld id="{C3600A06-36DD-406A-821E-53AD92F7ED8A}" type="datetimeFigureOut">
               <a:rPr lang="uk-UA" smtClean="0"/>
-              <a:t>26.02.2021</a:t>
+              <a:t>12.03.2021</a:t>
             </a:fld>
             <a:endParaRPr lang="uk-UA"/>
           </a:p>
@@ -9060,7 +9060,7 @@
           <a:noFill/>
           <a:extLst>
             <a:ext uri="{909E8E84-426E-40dd-AFC4-6F175D3DCCD1}">
-              <a14:hiddenFill xmlns="" xmlns:a14="http://schemas.microsoft.com/office/drawing/2010/main">
+              <a14:hiddenFill xmlns:a14="http://schemas.microsoft.com/office/drawing/2010/main" xmlns="">
                 <a:solidFill>
                   <a:srgbClr val="FFFFFF"/>
                 </a:solidFill>
@@ -9134,7 +9134,7 @@
               </a:ln>
               <a:extLst>
                 <a:ext uri="{91240B29-F687-4f45-9708-019B960494DF}">
-                  <a14:hiddenLine xmlns="" xmlns:a14="http://schemas.microsoft.com/office/drawing/2010/main" w="9525">
+                  <a14:hiddenLine xmlns:a14="http://schemas.microsoft.com/office/drawing/2010/main" xmlns="" w="9525">
                     <a:solidFill>
                       <a:srgbClr val="000000"/>
                     </a:solidFill>
@@ -9224,7 +9224,7 @@
               </a:ln>
               <a:extLst>
                 <a:ext uri="{91240B29-F687-4f45-9708-019B960494DF}">
-                  <a14:hiddenLine xmlns="" xmlns:a14="http://schemas.microsoft.com/office/drawing/2010/main" w="9525">
+                  <a14:hiddenLine xmlns:a14="http://schemas.microsoft.com/office/drawing/2010/main" xmlns="" w="9525">
                     <a:solidFill>
                       <a:srgbClr val="000000"/>
                     </a:solidFill>
@@ -9314,7 +9314,7 @@
               </a:ln>
               <a:extLst>
                 <a:ext uri="{91240B29-F687-4f45-9708-019B960494DF}">
-                  <a14:hiddenLine xmlns="" xmlns:a14="http://schemas.microsoft.com/office/drawing/2010/main" w="9525">
+                  <a14:hiddenLine xmlns:a14="http://schemas.microsoft.com/office/drawing/2010/main" xmlns="" w="9525">
                     <a:solidFill>
                       <a:srgbClr val="000000"/>
                     </a:solidFill>
@@ -9376,7 +9376,7 @@
               </a:ln>
               <a:extLst>
                 <a:ext uri="{91240B29-F687-4f45-9708-019B960494DF}">
-                  <a14:hiddenLine xmlns="" xmlns:a14="http://schemas.microsoft.com/office/drawing/2010/main" w="9525">
+                  <a14:hiddenLine xmlns:a14="http://schemas.microsoft.com/office/drawing/2010/main" xmlns="" w="9525">
                     <a:solidFill>
                       <a:srgbClr val="000000"/>
                     </a:solidFill>
@@ -9466,7 +9466,7 @@
               </a:ln>
               <a:extLst>
                 <a:ext uri="{91240B29-F687-4f45-9708-019B960494DF}">
-                  <a14:hiddenLine xmlns="" xmlns:a14="http://schemas.microsoft.com/office/drawing/2010/main" w="9525">
+                  <a14:hiddenLine xmlns:a14="http://schemas.microsoft.com/office/drawing/2010/main" xmlns="" w="9525">
                     <a:solidFill>
                       <a:srgbClr val="000000"/>
                     </a:solidFill>
@@ -9528,7 +9528,7 @@
               </a:ln>
               <a:extLst>
                 <a:ext uri="{91240B29-F687-4f45-9708-019B960494DF}">
-                  <a14:hiddenLine xmlns="" xmlns:a14="http://schemas.microsoft.com/office/drawing/2010/main" w="9525">
+                  <a14:hiddenLine xmlns:a14="http://schemas.microsoft.com/office/drawing/2010/main" xmlns="" w="9525">
                     <a:solidFill>
                       <a:srgbClr val="000000"/>
                     </a:solidFill>
@@ -9590,7 +9590,7 @@
               </a:ln>
               <a:extLst>
                 <a:ext uri="{91240B29-F687-4f45-9708-019B960494DF}">
-                  <a14:hiddenLine xmlns="" xmlns:a14="http://schemas.microsoft.com/office/drawing/2010/main" w="9525">
+                  <a14:hiddenLine xmlns:a14="http://schemas.microsoft.com/office/drawing/2010/main" xmlns="" w="9525">
                     <a:solidFill>
                       <a:srgbClr val="000000"/>
                     </a:solidFill>
@@ -9680,7 +9680,7 @@
               </a:ln>
               <a:extLst>
                 <a:ext uri="{91240B29-F687-4f45-9708-019B960494DF}">
-                  <a14:hiddenLine xmlns="" xmlns:a14="http://schemas.microsoft.com/office/drawing/2010/main" w="9525">
+                  <a14:hiddenLine xmlns:a14="http://schemas.microsoft.com/office/drawing/2010/main" xmlns="" w="9525">
                     <a:solidFill>
                       <a:srgbClr val="000000"/>
                     </a:solidFill>
@@ -9770,7 +9770,7 @@
               </a:ln>
               <a:extLst>
                 <a:ext uri="{91240B29-F687-4f45-9708-019B960494DF}">
-                  <a14:hiddenLine xmlns="" xmlns:a14="http://schemas.microsoft.com/office/drawing/2010/main" w="9525">
+                  <a14:hiddenLine xmlns:a14="http://schemas.microsoft.com/office/drawing/2010/main" xmlns="" w="9525">
                     <a:solidFill>
                       <a:srgbClr val="000000"/>
                     </a:solidFill>
@@ -9832,7 +9832,7 @@
               </a:ln>
               <a:extLst>
                 <a:ext uri="{91240B29-F687-4f45-9708-019B960494DF}">
-                  <a14:hiddenLine xmlns="" xmlns:a14="http://schemas.microsoft.com/office/drawing/2010/main" w="9525">
+                  <a14:hiddenLine xmlns:a14="http://schemas.microsoft.com/office/drawing/2010/main" xmlns="" w="9525">
                     <a:solidFill>
                       <a:srgbClr val="000000"/>
                     </a:solidFill>
@@ -9942,7 +9942,7 @@
               </a:ln>
               <a:extLst>
                 <a:ext uri="{91240B29-F687-4f45-9708-019B960494DF}">
-                  <a14:hiddenLine xmlns="" xmlns:a14="http://schemas.microsoft.com/office/drawing/2010/main" w="9525">
+                  <a14:hiddenLine xmlns:a14="http://schemas.microsoft.com/office/drawing/2010/main" xmlns="" w="9525">
                     <a:solidFill>
                       <a:srgbClr val="000000"/>
                     </a:solidFill>
@@ -10026,7 +10026,7 @@
               </a:ln>
               <a:extLst>
                 <a:ext uri="{91240B29-F687-4f45-9708-019B960494DF}">
-                  <a14:hiddenLine xmlns="" xmlns:a14="http://schemas.microsoft.com/office/drawing/2010/main" w="9525">
+                  <a14:hiddenLine xmlns:a14="http://schemas.microsoft.com/office/drawing/2010/main" xmlns="" w="9525">
                     <a:solidFill>
                       <a:srgbClr val="000000"/>
                     </a:solidFill>
@@ -10088,7 +10088,7 @@
               </a:ln>
               <a:extLst>
                 <a:ext uri="{91240B29-F687-4f45-9708-019B960494DF}">
-                  <a14:hiddenLine xmlns="" xmlns:a14="http://schemas.microsoft.com/office/drawing/2010/main" w="9525">
+                  <a14:hiddenLine xmlns:a14="http://schemas.microsoft.com/office/drawing/2010/main" xmlns="" w="9525">
                     <a:solidFill>
                       <a:srgbClr val="000000"/>
                     </a:solidFill>
@@ -10150,7 +10150,7 @@
               </a:ln>
               <a:extLst>
                 <a:ext uri="{91240B29-F687-4f45-9708-019B960494DF}">
-                  <a14:hiddenLine xmlns="" xmlns:a14="http://schemas.microsoft.com/office/drawing/2010/main" w="9525">
+                  <a14:hiddenLine xmlns:a14="http://schemas.microsoft.com/office/drawing/2010/main" xmlns="" w="9525">
                     <a:solidFill>
                       <a:srgbClr val="000000"/>
                     </a:solidFill>
@@ -10240,7 +10240,7 @@
               </a:ln>
               <a:extLst>
                 <a:ext uri="{91240B29-F687-4f45-9708-019B960494DF}">
-                  <a14:hiddenLine xmlns="" xmlns:a14="http://schemas.microsoft.com/office/drawing/2010/main" w="9525">
+                  <a14:hiddenLine xmlns:a14="http://schemas.microsoft.com/office/drawing/2010/main" xmlns="" w="9525">
                     <a:solidFill>
                       <a:srgbClr val="000000"/>
                     </a:solidFill>
@@ -10274,7 +10274,7 @@
               </a:ln>
               <a:extLst>
                 <a:ext uri="{91240B29-F687-4f45-9708-019B960494DF}">
-                  <a14:hiddenLine xmlns="" xmlns:a14="http://schemas.microsoft.com/office/drawing/2010/main" w="9525">
+                  <a14:hiddenLine xmlns:a14="http://schemas.microsoft.com/office/drawing/2010/main" xmlns="" w="9525">
                     <a:solidFill>
                       <a:srgbClr val="000000"/>
                     </a:solidFill>
@@ -10339,7 +10339,7 @@
               </a:ln>
               <a:extLst>
                 <a:ext uri="{91240B29-F687-4f45-9708-019B960494DF}">
-                  <a14:hiddenLine xmlns="" xmlns:a14="http://schemas.microsoft.com/office/drawing/2010/main" w="9525">
+                  <a14:hiddenLine xmlns:a14="http://schemas.microsoft.com/office/drawing/2010/main" xmlns="" w="9525">
                     <a:solidFill>
                       <a:srgbClr val="000000"/>
                     </a:solidFill>
@@ -10429,7 +10429,7 @@
               </a:ln>
               <a:extLst>
                 <a:ext uri="{91240B29-F687-4f45-9708-019B960494DF}">
-                  <a14:hiddenLine xmlns="" xmlns:a14="http://schemas.microsoft.com/office/drawing/2010/main" w="9525">
+                  <a14:hiddenLine xmlns:a14="http://schemas.microsoft.com/office/drawing/2010/main" xmlns="" w="9525">
                     <a:solidFill>
                       <a:srgbClr val="000000"/>
                     </a:solidFill>
@@ -10491,7 +10491,7 @@
               </a:ln>
               <a:extLst>
                 <a:ext uri="{91240B29-F687-4f45-9708-019B960494DF}">
-                  <a14:hiddenLine xmlns="" xmlns:a14="http://schemas.microsoft.com/office/drawing/2010/main" w="9525">
+                  <a14:hiddenLine xmlns:a14="http://schemas.microsoft.com/office/drawing/2010/main" xmlns="" w="9525">
                     <a:solidFill>
                       <a:srgbClr val="000000"/>
                     </a:solidFill>
@@ -10581,7 +10581,7 @@
               </a:ln>
               <a:extLst>
                 <a:ext uri="{91240B29-F687-4f45-9708-019B960494DF}">
-                  <a14:hiddenLine xmlns="" xmlns:a14="http://schemas.microsoft.com/office/drawing/2010/main" w="9525">
+                  <a14:hiddenLine xmlns:a14="http://schemas.microsoft.com/office/drawing/2010/main" xmlns="" w="9525">
                     <a:solidFill>
                       <a:srgbClr val="000000"/>
                     </a:solidFill>
@@ -10646,7 +10646,7 @@
               </a:ln>
               <a:extLst>
                 <a:ext uri="{91240B29-F687-4f45-9708-019B960494DF}">
-                  <a14:hiddenLine xmlns="" xmlns:a14="http://schemas.microsoft.com/office/drawing/2010/main" w="9525">
+                  <a14:hiddenLine xmlns:a14="http://schemas.microsoft.com/office/drawing/2010/main" xmlns="" w="9525">
                     <a:solidFill>
                       <a:srgbClr val="000000"/>
                     </a:solidFill>
@@ -10708,7 +10708,7 @@
               </a:ln>
               <a:extLst>
                 <a:ext uri="{91240B29-F687-4f45-9708-019B960494DF}">
-                  <a14:hiddenLine xmlns="" xmlns:a14="http://schemas.microsoft.com/office/drawing/2010/main" w="9525">
+                  <a14:hiddenLine xmlns:a14="http://schemas.microsoft.com/office/drawing/2010/main" xmlns="" w="9525">
                     <a:solidFill>
                       <a:srgbClr val="000000"/>
                     </a:solidFill>
@@ -10798,7 +10798,7 @@
               </a:ln>
               <a:extLst>
                 <a:ext uri="{91240B29-F687-4f45-9708-019B960494DF}">
-                  <a14:hiddenLine xmlns="" xmlns:a14="http://schemas.microsoft.com/office/drawing/2010/main" w="9525">
+                  <a14:hiddenLine xmlns:a14="http://schemas.microsoft.com/office/drawing/2010/main" xmlns="" w="9525">
                     <a:solidFill>
                       <a:srgbClr val="000000"/>
                     </a:solidFill>
@@ -10888,7 +10888,7 @@
               </a:ln>
               <a:extLst>
                 <a:ext uri="{91240B29-F687-4f45-9708-019B960494DF}">
-                  <a14:hiddenLine xmlns="" xmlns:a14="http://schemas.microsoft.com/office/drawing/2010/main" w="9525">
+                  <a14:hiddenLine xmlns:a14="http://schemas.microsoft.com/office/drawing/2010/main" xmlns="" w="9525">
                     <a:solidFill>
                       <a:srgbClr val="000000"/>
                     </a:solidFill>
@@ -10953,7 +10953,7 @@
               </a:ln>
               <a:extLst>
                 <a:ext uri="{91240B29-F687-4f45-9708-019B960494DF}">
-                  <a14:hiddenLine xmlns="" xmlns:a14="http://schemas.microsoft.com/office/drawing/2010/main" w="9525">
+                  <a14:hiddenLine xmlns:a14="http://schemas.microsoft.com/office/drawing/2010/main" xmlns="" w="9525">
                     <a:solidFill>
                       <a:srgbClr val="000000"/>
                     </a:solidFill>
@@ -11073,7 +11073,7 @@
               </a:ln>
               <a:extLst>
                 <a:ext uri="{91240B29-F687-4f45-9708-019B960494DF}">
-                  <a14:hiddenLine xmlns="" xmlns:a14="http://schemas.microsoft.com/office/drawing/2010/main" w="9525">
+                  <a14:hiddenLine xmlns:a14="http://schemas.microsoft.com/office/drawing/2010/main" xmlns="" w="9525">
                     <a:solidFill>
                       <a:srgbClr val="000000"/>
                     </a:solidFill>
@@ -11171,7 +11171,7 @@
               </a:ln>
               <a:extLst>
                 <a:ext uri="{91240B29-F687-4f45-9708-019B960494DF}">
-                  <a14:hiddenLine xmlns="" xmlns:a14="http://schemas.microsoft.com/office/drawing/2010/main" w="9525">
+                  <a14:hiddenLine xmlns:a14="http://schemas.microsoft.com/office/drawing/2010/main" xmlns="" w="9525">
                     <a:solidFill>
                       <a:srgbClr val="000000"/>
                     </a:solidFill>
@@ -11286,7 +11286,7 @@
               </a:ln>
               <a:extLst>
                 <a:ext uri="{91240B29-F687-4f45-9708-019B960494DF}">
-                  <a14:hiddenLine xmlns="" xmlns:a14="http://schemas.microsoft.com/office/drawing/2010/main" w="9525">
+                  <a14:hiddenLine xmlns:a14="http://schemas.microsoft.com/office/drawing/2010/main" xmlns="" w="9525">
                     <a:solidFill>
                       <a:srgbClr val="000000"/>
                     </a:solidFill>
@@ -11376,7 +11376,7 @@
               </a:ln>
               <a:extLst>
                 <a:ext uri="{91240B29-F687-4f45-9708-019B960494DF}">
-                  <a14:hiddenLine xmlns="" xmlns:a14="http://schemas.microsoft.com/office/drawing/2010/main" w="9525">
+                  <a14:hiddenLine xmlns:a14="http://schemas.microsoft.com/office/drawing/2010/main" xmlns="" w="9525">
                     <a:solidFill>
                       <a:srgbClr val="000000"/>
                     </a:solidFill>
@@ -11441,7 +11441,7 @@
               </a:ln>
               <a:extLst>
                 <a:ext uri="{91240B29-F687-4f45-9708-019B960494DF}">
-                  <a14:hiddenLine xmlns="" xmlns:a14="http://schemas.microsoft.com/office/drawing/2010/main" w="9525">
+                  <a14:hiddenLine xmlns:a14="http://schemas.microsoft.com/office/drawing/2010/main" xmlns="" w="9525">
                     <a:solidFill>
                       <a:srgbClr val="000000"/>
                     </a:solidFill>
@@ -11531,7 +11531,7 @@
               </a:ln>
               <a:extLst>
                 <a:ext uri="{91240B29-F687-4f45-9708-019B960494DF}">
-                  <a14:hiddenLine xmlns="" xmlns:a14="http://schemas.microsoft.com/office/drawing/2010/main" w="9525">
+                  <a14:hiddenLine xmlns:a14="http://schemas.microsoft.com/office/drawing/2010/main" xmlns="" w="9525">
                     <a:solidFill>
                       <a:srgbClr val="000000"/>
                     </a:solidFill>
@@ -11599,7 +11599,7 @@
               </a:ln>
               <a:extLst>
                 <a:ext uri="{91240B29-F687-4f45-9708-019B960494DF}">
-                  <a14:hiddenLine xmlns="" xmlns:a14="http://schemas.microsoft.com/office/drawing/2010/main" w="9525">
+                  <a14:hiddenLine xmlns:a14="http://schemas.microsoft.com/office/drawing/2010/main" xmlns="" w="9525">
                     <a:solidFill>
                       <a:srgbClr val="000000"/>
                     </a:solidFill>
@@ -11689,7 +11689,7 @@
               </a:ln>
               <a:extLst>
                 <a:ext uri="{91240B29-F687-4f45-9708-019B960494DF}">
-                  <a14:hiddenLine xmlns="" xmlns:a14="http://schemas.microsoft.com/office/drawing/2010/main" w="9525">
+                  <a14:hiddenLine xmlns:a14="http://schemas.microsoft.com/office/drawing/2010/main" xmlns="" w="9525">
                     <a:solidFill>
                       <a:srgbClr val="000000"/>
                     </a:solidFill>
@@ -11757,7 +11757,7 @@
               </a:ln>
               <a:extLst>
                 <a:ext uri="{91240B29-F687-4f45-9708-019B960494DF}">
-                  <a14:hiddenLine xmlns="" xmlns:a14="http://schemas.microsoft.com/office/drawing/2010/main" w="9525">
+                  <a14:hiddenLine xmlns:a14="http://schemas.microsoft.com/office/drawing/2010/main" xmlns="" w="9525">
                     <a:solidFill>
                       <a:srgbClr val="000000"/>
                     </a:solidFill>
@@ -11847,7 +11847,7 @@
               </a:ln>
               <a:extLst>
                 <a:ext uri="{91240B29-F687-4f45-9708-019B960494DF}">
-                  <a14:hiddenLine xmlns="" xmlns:a14="http://schemas.microsoft.com/office/drawing/2010/main" w="9525">
+                  <a14:hiddenLine xmlns:a14="http://schemas.microsoft.com/office/drawing/2010/main" xmlns="" w="9525">
                     <a:solidFill>
                       <a:srgbClr val="000000"/>
                     </a:solidFill>
@@ -11881,7 +11881,7 @@
               </a:ln>
               <a:extLst>
                 <a:ext uri="{91240B29-F687-4f45-9708-019B960494DF}">
-                  <a14:hiddenLine xmlns="" xmlns:a14="http://schemas.microsoft.com/office/drawing/2010/main" w="9525">
+                  <a14:hiddenLine xmlns:a14="http://schemas.microsoft.com/office/drawing/2010/main" xmlns="" w="9525">
                     <a:solidFill>
                       <a:srgbClr val="000000"/>
                     </a:solidFill>
@@ -12021,7 +12021,7 @@
           <a:p>
             <a:fld id="{C3600A06-36DD-406A-821E-53AD92F7ED8A}" type="datetimeFigureOut">
               <a:rPr lang="uk-UA" smtClean="0"/>
-              <a:t>26.02.2021</a:t>
+              <a:t>12.03.2021</a:t>
             </a:fld>
             <a:endParaRPr lang="uk-UA"/>
           </a:p>
@@ -12551,13 +12551,13 @@
   <p:clrMapOvr>
     <a:masterClrMapping/>
   </p:clrMapOvr>
-  <mc:AlternateContent xmlns:mc="http://schemas.openxmlformats.org/markup-compatibility/2006">
-    <mc:Choice xmlns:p14="http://schemas.microsoft.com/office/powerpoint/2010/main" Requires="p14">
+  <mc:AlternateContent xmlns:mc="http://schemas.openxmlformats.org/markup-compatibility/2006" xmlns:p14="http://schemas.microsoft.com/office/powerpoint/2010/main">
+    <mc:Choice Requires="p14">
       <p:transition spd="med" p14:dur="700" advClick="0" advTm="2000">
         <p:fade/>
       </p:transition>
     </mc:Choice>
-    <mc:Fallback>
+    <mc:Fallback xmlns="">
       <p:transition spd="med" advClick="0" advTm="2000">
         <p:fade/>
       </p:transition>
@@ -20077,11 +20077,11 @@
   <p:clrMapOvr>
     <a:masterClrMapping/>
   </p:clrMapOvr>
-  <mc:AlternateContent xmlns:mc="http://schemas.openxmlformats.org/markup-compatibility/2006">
-    <mc:Choice xmlns:p14="http://schemas.microsoft.com/office/powerpoint/2010/main" Requires="p14">
+  <mc:AlternateContent xmlns:mc="http://schemas.openxmlformats.org/markup-compatibility/2006" xmlns:p14="http://schemas.microsoft.com/office/powerpoint/2010/main">
+    <mc:Choice Requires="p14">
       <p:transition spd="slow" p14:dur="2000" advClick="0" advTm="1000"/>
     </mc:Choice>
-    <mc:Fallback>
+    <mc:Fallback xmlns="">
       <p:transition spd="slow" advClick="0" advTm="1000"/>
     </mc:Fallback>
   </mc:AlternateContent>
@@ -23487,7 +23487,7 @@
         <p:spPr>
           <a:xfrm>
             <a:off x="4437135" y="173634"/>
-            <a:ext cx="1714700" cy="461665"/>
+            <a:ext cx="1926168" cy="461665"/>
           </a:xfrm>
           <a:prstGeom prst="rect">
             <a:avLst/>
@@ -23501,6 +23501,16 @@
           <a:lstStyle/>
           <a:p>
             <a:r>
+              <a:rPr lang="en-US" sz="2400" dirty="0" err="1" smtClean="0">
+                <a:solidFill>
+                  <a:schemeClr val="bg2"/>
+                </a:solidFill>
+                <a:latin typeface="Calibri" panose="020F0502020204030204" pitchFamily="34" charset="0"/>
+                <a:cs typeface="Calibri" panose="020F0502020204030204" pitchFamily="34" charset="0"/>
+              </a:rPr>
+              <a:t>TopSort</a:t>
+            </a:r>
+            <a:r>
               <a:rPr lang="en-US" sz="2400" dirty="0" smtClean="0">
                 <a:solidFill>
                   <a:schemeClr val="bg2"/>
@@ -23508,7 +23518,17 @@
                 <a:latin typeface="Calibri" panose="020F0502020204030204" pitchFamily="34" charset="0"/>
                 <a:cs typeface="Calibri" panose="020F0502020204030204" pitchFamily="34" charset="0"/>
               </a:rPr>
-              <a:t>Check result</a:t>
+              <a:t> </a:t>
+            </a:r>
+            <a:r>
+              <a:rPr lang="en-US" sz="2400" dirty="0" smtClean="0">
+                <a:solidFill>
+                  <a:schemeClr val="bg2"/>
+                </a:solidFill>
+                <a:latin typeface="Calibri" panose="020F0502020204030204" pitchFamily="34" charset="0"/>
+                <a:cs typeface="Calibri" panose="020F0502020204030204" pitchFamily="34" charset="0"/>
+              </a:rPr>
+              <a:t>result</a:t>
             </a:r>
             <a:endParaRPr lang="uk-UA" sz="2400" dirty="0">
               <a:solidFill>
@@ -23668,17 +23688,7 @@
                 <a:latin typeface="Calibri" panose="020F0502020204030204" pitchFamily="34" charset="0"/>
                 <a:cs typeface="Calibri" panose="020F0502020204030204" pitchFamily="34" charset="0"/>
               </a:rPr>
-              <a:t>F</a:t>
-            </a:r>
-            <a:r>
-              <a:rPr lang="en-US" sz="2800" dirty="0" smtClean="0">
-                <a:solidFill>
-                  <a:schemeClr val="bg2"/>
-                </a:solidFill>
-                <a:latin typeface="Calibri" panose="020F0502020204030204" pitchFamily="34" charset="0"/>
-                <a:cs typeface="Calibri" panose="020F0502020204030204" pitchFamily="34" charset="0"/>
-              </a:rPr>
-              <a:t>inish</a:t>
+              <a:t>Finish</a:t>
             </a:r>
             <a:endParaRPr lang="uk-UA" sz="2800" dirty="0">
               <a:solidFill>

--- a/Graph_TopSort/top_sort.pptx
+++ b/Graph_TopSort/top_sort.pptx
@@ -167,7 +167,7 @@
           <a:noFill/>
           <a:extLst>
             <a:ext uri="{909E8E84-426E-40dd-AFC4-6F175D3DCCD1}">
-              <a14:hiddenFill xmlns:a14="http://schemas.microsoft.com/office/drawing/2010/main" xmlns="">
+              <a14:hiddenFill xmlns="" xmlns:a14="http://schemas.microsoft.com/office/drawing/2010/main">
                 <a:solidFill>
                   <a:srgbClr val="FFFFFF"/>
                 </a:solidFill>
@@ -227,7 +227,7 @@
             </a:ln>
             <a:extLst>
               <a:ext uri="{91240B29-F687-4f45-9708-019B960494DF}">
-                <a14:hiddenLine xmlns:a14="http://schemas.microsoft.com/office/drawing/2010/main" xmlns="" w="9525">
+                <a14:hiddenLine xmlns="" xmlns:a14="http://schemas.microsoft.com/office/drawing/2010/main" w="9525">
                   <a:solidFill>
                     <a:srgbClr val="000000"/>
                   </a:solidFill>
@@ -317,7 +317,7 @@
             </a:ln>
             <a:extLst>
               <a:ext uri="{91240B29-F687-4f45-9708-019B960494DF}">
-                <a14:hiddenLine xmlns:a14="http://schemas.microsoft.com/office/drawing/2010/main" xmlns="" w="9525">
+                <a14:hiddenLine xmlns="" xmlns:a14="http://schemas.microsoft.com/office/drawing/2010/main" w="9525">
                   <a:solidFill>
                     <a:srgbClr val="000000"/>
                   </a:solidFill>
@@ -407,7 +407,7 @@
             </a:ln>
             <a:extLst>
               <a:ext uri="{91240B29-F687-4f45-9708-019B960494DF}">
-                <a14:hiddenLine xmlns:a14="http://schemas.microsoft.com/office/drawing/2010/main" xmlns="" w="9525">
+                <a14:hiddenLine xmlns="" xmlns:a14="http://schemas.microsoft.com/office/drawing/2010/main" w="9525">
                   <a:solidFill>
                     <a:srgbClr val="000000"/>
                   </a:solidFill>
@@ -441,7 +441,7 @@
             </a:ln>
             <a:extLst>
               <a:ext uri="{91240B29-F687-4f45-9708-019B960494DF}">
-                <a14:hiddenLine xmlns:a14="http://schemas.microsoft.com/office/drawing/2010/main" xmlns="" w="9525">
+                <a14:hiddenLine xmlns="" xmlns:a14="http://schemas.microsoft.com/office/drawing/2010/main" w="9525">
                   <a:solidFill>
                     <a:srgbClr val="000000"/>
                   </a:solidFill>
@@ -531,7 +531,7 @@
             </a:ln>
             <a:extLst>
               <a:ext uri="{91240B29-F687-4f45-9708-019B960494DF}">
-                <a14:hiddenLine xmlns:a14="http://schemas.microsoft.com/office/drawing/2010/main" xmlns="" w="9525">
+                <a14:hiddenLine xmlns="" xmlns:a14="http://schemas.microsoft.com/office/drawing/2010/main" w="9525">
                   <a:solidFill>
                     <a:srgbClr val="000000"/>
                   </a:solidFill>
@@ -593,7 +593,7 @@
             </a:ln>
             <a:extLst>
               <a:ext uri="{91240B29-F687-4f45-9708-019B960494DF}">
-                <a14:hiddenLine xmlns:a14="http://schemas.microsoft.com/office/drawing/2010/main" xmlns="" w="9525">
+                <a14:hiddenLine xmlns="" xmlns:a14="http://schemas.microsoft.com/office/drawing/2010/main" w="9525">
                   <a:solidFill>
                     <a:srgbClr val="000000"/>
                   </a:solidFill>
@@ -655,7 +655,7 @@
             </a:ln>
             <a:extLst>
               <a:ext uri="{91240B29-F687-4f45-9708-019B960494DF}">
-                <a14:hiddenLine xmlns:a14="http://schemas.microsoft.com/office/drawing/2010/main" xmlns="" w="9525">
+                <a14:hiddenLine xmlns="" xmlns:a14="http://schemas.microsoft.com/office/drawing/2010/main" w="9525">
                   <a:solidFill>
                     <a:srgbClr val="000000"/>
                   </a:solidFill>
@@ -745,7 +745,7 @@
             </a:ln>
             <a:extLst>
               <a:ext uri="{91240B29-F687-4f45-9708-019B960494DF}">
-                <a14:hiddenLine xmlns:a14="http://schemas.microsoft.com/office/drawing/2010/main" xmlns="" w="9525">
+                <a14:hiddenLine xmlns="" xmlns:a14="http://schemas.microsoft.com/office/drawing/2010/main" w="9525">
                   <a:solidFill>
                     <a:srgbClr val="000000"/>
                   </a:solidFill>
@@ -807,7 +807,7 @@
             </a:ln>
             <a:extLst>
               <a:ext uri="{91240B29-F687-4f45-9708-019B960494DF}">
-                <a14:hiddenLine xmlns:a14="http://schemas.microsoft.com/office/drawing/2010/main" xmlns="" w="9525">
+                <a14:hiddenLine xmlns="" xmlns:a14="http://schemas.microsoft.com/office/drawing/2010/main" w="9525">
                   <a:solidFill>
                     <a:srgbClr val="000000"/>
                   </a:solidFill>
@@ -869,7 +869,7 @@
             </a:ln>
             <a:extLst>
               <a:ext uri="{91240B29-F687-4f45-9708-019B960494DF}">
-                <a14:hiddenLine xmlns:a14="http://schemas.microsoft.com/office/drawing/2010/main" xmlns="" w="9525">
+                <a14:hiddenLine xmlns="" xmlns:a14="http://schemas.microsoft.com/office/drawing/2010/main" w="9525">
                   <a:solidFill>
                     <a:srgbClr val="000000"/>
                   </a:solidFill>
@@ -959,7 +959,7 @@
             </a:ln>
             <a:extLst>
               <a:ext uri="{91240B29-F687-4f45-9708-019B960494DF}">
-                <a14:hiddenLine xmlns:a14="http://schemas.microsoft.com/office/drawing/2010/main" xmlns="" w="9525">
+                <a14:hiddenLine xmlns="" xmlns:a14="http://schemas.microsoft.com/office/drawing/2010/main" w="9525">
                   <a:solidFill>
                     <a:srgbClr val="000000"/>
                   </a:solidFill>
@@ -1049,7 +1049,7 @@
             </a:ln>
             <a:extLst>
               <a:ext uri="{91240B29-F687-4f45-9708-019B960494DF}">
-                <a14:hiddenLine xmlns:a14="http://schemas.microsoft.com/office/drawing/2010/main" xmlns="" w="9525">
+                <a14:hiddenLine xmlns="" xmlns:a14="http://schemas.microsoft.com/office/drawing/2010/main" w="9525">
                   <a:solidFill>
                     <a:srgbClr val="000000"/>
                   </a:solidFill>
@@ -1111,7 +1111,7 @@
             </a:ln>
             <a:extLst>
               <a:ext uri="{91240B29-F687-4f45-9708-019B960494DF}">
-                <a14:hiddenLine xmlns:a14="http://schemas.microsoft.com/office/drawing/2010/main" xmlns="" w="9525">
+                <a14:hiddenLine xmlns="" xmlns:a14="http://schemas.microsoft.com/office/drawing/2010/main" w="9525">
                   <a:solidFill>
                     <a:srgbClr val="000000"/>
                   </a:solidFill>
@@ -1221,7 +1221,7 @@
             </a:ln>
             <a:extLst>
               <a:ext uri="{91240B29-F687-4f45-9708-019B960494DF}">
-                <a14:hiddenLine xmlns:a14="http://schemas.microsoft.com/office/drawing/2010/main" xmlns="" w="9525">
+                <a14:hiddenLine xmlns="" xmlns:a14="http://schemas.microsoft.com/office/drawing/2010/main" w="9525">
                   <a:solidFill>
                     <a:srgbClr val="000000"/>
                   </a:solidFill>
@@ -1283,7 +1283,7 @@
             </a:ln>
             <a:extLst>
               <a:ext uri="{91240B29-F687-4f45-9708-019B960494DF}">
-                <a14:hiddenLine xmlns:a14="http://schemas.microsoft.com/office/drawing/2010/main" xmlns="" w="9525">
+                <a14:hiddenLine xmlns="" xmlns:a14="http://schemas.microsoft.com/office/drawing/2010/main" w="9525">
                   <a:solidFill>
                     <a:srgbClr val="000000"/>
                   </a:solidFill>
@@ -1373,7 +1373,7 @@
             </a:ln>
             <a:extLst>
               <a:ext uri="{91240B29-F687-4f45-9708-019B960494DF}">
-                <a14:hiddenLine xmlns:a14="http://schemas.microsoft.com/office/drawing/2010/main" xmlns="" w="9525">
+                <a14:hiddenLine xmlns="" xmlns:a14="http://schemas.microsoft.com/office/drawing/2010/main" w="9525">
                   <a:solidFill>
                     <a:srgbClr val="000000"/>
                   </a:solidFill>
@@ -1463,7 +1463,7 @@
             </a:ln>
             <a:extLst>
               <a:ext uri="{91240B29-F687-4f45-9708-019B960494DF}">
-                <a14:hiddenLine xmlns:a14="http://schemas.microsoft.com/office/drawing/2010/main" xmlns="" w="9525">
+                <a14:hiddenLine xmlns="" xmlns:a14="http://schemas.microsoft.com/office/drawing/2010/main" w="9525">
                   <a:solidFill>
                     <a:srgbClr val="000000"/>
                   </a:solidFill>
@@ -1525,7 +1525,7 @@
             </a:ln>
             <a:extLst>
               <a:ext uri="{91240B29-F687-4f45-9708-019B960494DF}">
-                <a14:hiddenLine xmlns:a14="http://schemas.microsoft.com/office/drawing/2010/main" xmlns="" w="9525">
+                <a14:hiddenLine xmlns="" xmlns:a14="http://schemas.microsoft.com/office/drawing/2010/main" w="9525">
                   <a:solidFill>
                     <a:srgbClr val="000000"/>
                   </a:solidFill>
@@ -1615,7 +1615,7 @@
             </a:ln>
             <a:extLst>
               <a:ext uri="{91240B29-F687-4f45-9708-019B960494DF}">
-                <a14:hiddenLine xmlns:a14="http://schemas.microsoft.com/office/drawing/2010/main" xmlns="" w="9525">
+                <a14:hiddenLine xmlns="" xmlns:a14="http://schemas.microsoft.com/office/drawing/2010/main" w="9525">
                   <a:solidFill>
                     <a:srgbClr val="000000"/>
                   </a:solidFill>
@@ -1705,7 +1705,7 @@
             </a:ln>
             <a:extLst>
               <a:ext uri="{91240B29-F687-4f45-9708-019B960494DF}">
-                <a14:hiddenLine xmlns:a14="http://schemas.microsoft.com/office/drawing/2010/main" xmlns="" w="9525">
+                <a14:hiddenLine xmlns="" xmlns:a14="http://schemas.microsoft.com/office/drawing/2010/main" w="9525">
                   <a:solidFill>
                     <a:srgbClr val="000000"/>
                   </a:solidFill>
@@ -1761,7 +1761,7 @@
             </a:ln>
             <a:extLst>
               <a:ext uri="{91240B29-F687-4f45-9708-019B960494DF}">
-                <a14:hiddenLine xmlns:a14="http://schemas.microsoft.com/office/drawing/2010/main" xmlns="" w="9525">
+                <a14:hiddenLine xmlns="" xmlns:a14="http://schemas.microsoft.com/office/drawing/2010/main" w="9525">
                   <a:solidFill>
                     <a:srgbClr val="000000"/>
                   </a:solidFill>
@@ -1851,7 +1851,7 @@
             </a:ln>
             <a:extLst>
               <a:ext uri="{91240B29-F687-4f45-9708-019B960494DF}">
-                <a14:hiddenLine xmlns:a14="http://schemas.microsoft.com/office/drawing/2010/main" xmlns="" w="9525">
+                <a14:hiddenLine xmlns="" xmlns:a14="http://schemas.microsoft.com/office/drawing/2010/main" w="9525">
                   <a:solidFill>
                     <a:srgbClr val="000000"/>
                   </a:solidFill>
@@ -1907,7 +1907,7 @@
             </a:ln>
             <a:extLst>
               <a:ext uri="{91240B29-F687-4f45-9708-019B960494DF}">
-                <a14:hiddenLine xmlns:a14="http://schemas.microsoft.com/office/drawing/2010/main" xmlns="" w="9525">
+                <a14:hiddenLine xmlns="" xmlns:a14="http://schemas.microsoft.com/office/drawing/2010/main" w="9525">
                   <a:solidFill>
                     <a:srgbClr val="000000"/>
                   </a:solidFill>
@@ -1997,7 +1997,7 @@
             </a:ln>
             <a:extLst>
               <a:ext uri="{91240B29-F687-4f45-9708-019B960494DF}">
-                <a14:hiddenLine xmlns:a14="http://schemas.microsoft.com/office/drawing/2010/main" xmlns="" w="9525">
+                <a14:hiddenLine xmlns="" xmlns:a14="http://schemas.microsoft.com/office/drawing/2010/main" w="9525">
                   <a:solidFill>
                     <a:srgbClr val="000000"/>
                   </a:solidFill>
@@ -2065,7 +2065,7 @@
             </a:ln>
             <a:extLst>
               <a:ext uri="{91240B29-F687-4f45-9708-019B960494DF}">
-                <a14:hiddenLine xmlns:a14="http://schemas.microsoft.com/office/drawing/2010/main" xmlns="" w="9525">
+                <a14:hiddenLine xmlns="" xmlns:a14="http://schemas.microsoft.com/office/drawing/2010/main" w="9525">
                   <a:solidFill>
                     <a:srgbClr val="000000"/>
                   </a:solidFill>
@@ -2155,7 +2155,7 @@
             </a:ln>
             <a:extLst>
               <a:ext uri="{91240B29-F687-4f45-9708-019B960494DF}">
-                <a14:hiddenLine xmlns:a14="http://schemas.microsoft.com/office/drawing/2010/main" xmlns="" w="9525">
+                <a14:hiddenLine xmlns="" xmlns:a14="http://schemas.microsoft.com/office/drawing/2010/main" w="9525">
                   <a:solidFill>
                     <a:srgbClr val="000000"/>
                   </a:solidFill>
@@ -2223,7 +2223,7 @@
             </a:ln>
             <a:extLst>
               <a:ext uri="{91240B29-F687-4f45-9708-019B960494DF}">
-                <a14:hiddenLine xmlns:a14="http://schemas.microsoft.com/office/drawing/2010/main" xmlns="" w="9525">
+                <a14:hiddenLine xmlns="" xmlns:a14="http://schemas.microsoft.com/office/drawing/2010/main" w="9525">
                   <a:solidFill>
                     <a:srgbClr val="000000"/>
                   </a:solidFill>
@@ -2313,7 +2313,7 @@
             </a:ln>
             <a:extLst>
               <a:ext uri="{91240B29-F687-4f45-9708-019B960494DF}">
-                <a14:hiddenLine xmlns:a14="http://schemas.microsoft.com/office/drawing/2010/main" xmlns="" w="9525">
+                <a14:hiddenLine xmlns="" xmlns:a14="http://schemas.microsoft.com/office/drawing/2010/main" w="9525">
                   <a:solidFill>
                     <a:srgbClr val="000000"/>
                   </a:solidFill>
@@ -2347,7 +2347,7 @@
             </a:ln>
             <a:extLst>
               <a:ext uri="{91240B29-F687-4f45-9708-019B960494DF}">
-                <a14:hiddenLine xmlns:a14="http://schemas.microsoft.com/office/drawing/2010/main" xmlns="" w="9525">
+                <a14:hiddenLine xmlns="" xmlns:a14="http://schemas.microsoft.com/office/drawing/2010/main" w="9525">
                   <a:solidFill>
                     <a:srgbClr val="000000"/>
                   </a:solidFill>
@@ -2437,7 +2437,7 @@
             </a:ln>
             <a:extLst>
               <a:ext uri="{91240B29-F687-4f45-9708-019B960494DF}">
-                <a14:hiddenLine xmlns:a14="http://schemas.microsoft.com/office/drawing/2010/main" xmlns="" w="9525">
+                <a14:hiddenLine xmlns="" xmlns:a14="http://schemas.microsoft.com/office/drawing/2010/main" w="9525">
                   <a:solidFill>
                     <a:srgbClr val="000000"/>
                   </a:solidFill>
@@ -2499,7 +2499,7 @@
             </a:ln>
             <a:extLst>
               <a:ext uri="{91240B29-F687-4f45-9708-019B960494DF}">
-                <a14:hiddenLine xmlns:a14="http://schemas.microsoft.com/office/drawing/2010/main" xmlns="" w="9525">
+                <a14:hiddenLine xmlns="" xmlns:a14="http://schemas.microsoft.com/office/drawing/2010/main" w="9525">
                   <a:solidFill>
                     <a:srgbClr val="000000"/>
                   </a:solidFill>
@@ -2561,7 +2561,7 @@
             </a:ln>
             <a:extLst>
               <a:ext uri="{91240B29-F687-4f45-9708-019B960494DF}">
-                <a14:hiddenLine xmlns:a14="http://schemas.microsoft.com/office/drawing/2010/main" xmlns="" w="9525">
+                <a14:hiddenLine xmlns="" xmlns:a14="http://schemas.microsoft.com/office/drawing/2010/main" w="9525">
                   <a:solidFill>
                     <a:srgbClr val="000000"/>
                   </a:solidFill>
@@ -2651,7 +2651,7 @@
             </a:ln>
             <a:extLst>
               <a:ext uri="{91240B29-F687-4f45-9708-019B960494DF}">
-                <a14:hiddenLine xmlns:a14="http://schemas.microsoft.com/office/drawing/2010/main" xmlns="" w="9525">
+                <a14:hiddenLine xmlns="" xmlns:a14="http://schemas.microsoft.com/office/drawing/2010/main" w="9525">
                   <a:solidFill>
                     <a:srgbClr val="000000"/>
                   </a:solidFill>
@@ -2719,7 +2719,7 @@
             </a:ln>
             <a:extLst>
               <a:ext uri="{91240B29-F687-4f45-9708-019B960494DF}">
-                <a14:hiddenLine xmlns:a14="http://schemas.microsoft.com/office/drawing/2010/main" xmlns="" w="9525">
+                <a14:hiddenLine xmlns="" xmlns:a14="http://schemas.microsoft.com/office/drawing/2010/main" w="9525">
                   <a:solidFill>
                     <a:srgbClr val="000000"/>
                   </a:solidFill>
@@ -2781,7 +2781,7 @@
             </a:ln>
             <a:extLst>
               <a:ext uri="{91240B29-F687-4f45-9708-019B960494DF}">
-                <a14:hiddenLine xmlns:a14="http://schemas.microsoft.com/office/drawing/2010/main" xmlns="" w="9525">
+                <a14:hiddenLine xmlns="" xmlns:a14="http://schemas.microsoft.com/office/drawing/2010/main" w="9525">
                   <a:solidFill>
                     <a:srgbClr val="000000"/>
                   </a:solidFill>
@@ -2871,7 +2871,7 @@
             </a:ln>
             <a:extLst>
               <a:ext uri="{91240B29-F687-4f45-9708-019B960494DF}">
-                <a14:hiddenLine xmlns:a14="http://schemas.microsoft.com/office/drawing/2010/main" xmlns="" w="9525">
+                <a14:hiddenLine xmlns="" xmlns:a14="http://schemas.microsoft.com/office/drawing/2010/main" w="9525">
                   <a:solidFill>
                     <a:srgbClr val="000000"/>
                   </a:solidFill>
@@ -2933,7 +2933,7 @@
             </a:ln>
             <a:extLst>
               <a:ext uri="{91240B29-F687-4f45-9708-019B960494DF}">
-                <a14:hiddenLine xmlns:a14="http://schemas.microsoft.com/office/drawing/2010/main" xmlns="" w="9525">
+                <a14:hiddenLine xmlns="" xmlns:a14="http://schemas.microsoft.com/office/drawing/2010/main" w="9525">
                   <a:solidFill>
                     <a:srgbClr val="000000"/>
                   </a:solidFill>
@@ -3023,7 +3023,7 @@
             </a:ln>
             <a:extLst>
               <a:ext uri="{91240B29-F687-4f45-9708-019B960494DF}">
-                <a14:hiddenLine xmlns:a14="http://schemas.microsoft.com/office/drawing/2010/main" xmlns="" w="9525">
+                <a14:hiddenLine xmlns="" xmlns:a14="http://schemas.microsoft.com/office/drawing/2010/main" w="9525">
                   <a:solidFill>
                     <a:srgbClr val="000000"/>
                   </a:solidFill>
@@ -3085,7 +3085,7 @@
             </a:ln>
             <a:extLst>
               <a:ext uri="{91240B29-F687-4f45-9708-019B960494DF}">
-                <a14:hiddenLine xmlns:a14="http://schemas.microsoft.com/office/drawing/2010/main" xmlns="" w="9525">
+                <a14:hiddenLine xmlns="" xmlns:a14="http://schemas.microsoft.com/office/drawing/2010/main" w="9525">
                   <a:solidFill>
                     <a:srgbClr val="000000"/>
                   </a:solidFill>
@@ -3175,7 +3175,7 @@
             </a:ln>
             <a:extLst>
               <a:ext uri="{91240B29-F687-4f45-9708-019B960494DF}">
-                <a14:hiddenLine xmlns:a14="http://schemas.microsoft.com/office/drawing/2010/main" xmlns="" w="9525">
+                <a14:hiddenLine xmlns="" xmlns:a14="http://schemas.microsoft.com/office/drawing/2010/main" w="9525">
                   <a:solidFill>
                     <a:srgbClr val="000000"/>
                   </a:solidFill>
@@ -3209,7 +3209,7 @@
             </a:ln>
             <a:extLst>
               <a:ext uri="{91240B29-F687-4f45-9708-019B960494DF}">
-                <a14:hiddenLine xmlns:a14="http://schemas.microsoft.com/office/drawing/2010/main" xmlns="" w="9525">
+                <a14:hiddenLine xmlns="" xmlns:a14="http://schemas.microsoft.com/office/drawing/2010/main" w="9525">
                   <a:solidFill>
                     <a:srgbClr val="000000"/>
                   </a:solidFill>
@@ -3274,7 +3274,7 @@
             </a:ln>
             <a:extLst>
               <a:ext uri="{91240B29-F687-4f45-9708-019B960494DF}">
-                <a14:hiddenLine xmlns:a14="http://schemas.microsoft.com/office/drawing/2010/main" xmlns="" w="9525">
+                <a14:hiddenLine xmlns="" xmlns:a14="http://schemas.microsoft.com/office/drawing/2010/main" w="9525">
                   <a:solidFill>
                     <a:srgbClr val="000000"/>
                   </a:solidFill>
@@ -3364,7 +3364,7 @@
             </a:ln>
             <a:extLst>
               <a:ext uri="{91240B29-F687-4f45-9708-019B960494DF}">
-                <a14:hiddenLine xmlns:a14="http://schemas.microsoft.com/office/drawing/2010/main" xmlns="" w="9525">
+                <a14:hiddenLine xmlns="" xmlns:a14="http://schemas.microsoft.com/office/drawing/2010/main" w="9525">
                   <a:solidFill>
                     <a:srgbClr val="000000"/>
                   </a:solidFill>
@@ -3426,7 +3426,7 @@
             </a:ln>
             <a:extLst>
               <a:ext uri="{91240B29-F687-4f45-9708-019B960494DF}">
-                <a14:hiddenLine xmlns:a14="http://schemas.microsoft.com/office/drawing/2010/main" xmlns="" w="9525">
+                <a14:hiddenLine xmlns="" xmlns:a14="http://schemas.microsoft.com/office/drawing/2010/main" w="9525">
                   <a:solidFill>
                     <a:srgbClr val="000000"/>
                   </a:solidFill>
@@ -3516,7 +3516,7 @@
             </a:ln>
             <a:extLst>
               <a:ext uri="{91240B29-F687-4f45-9708-019B960494DF}">
-                <a14:hiddenLine xmlns:a14="http://schemas.microsoft.com/office/drawing/2010/main" xmlns="" w="9525">
+                <a14:hiddenLine xmlns="" xmlns:a14="http://schemas.microsoft.com/office/drawing/2010/main" w="9525">
                   <a:solidFill>
                     <a:srgbClr val="000000"/>
                   </a:solidFill>
@@ -3606,7 +3606,7 @@
             </a:ln>
             <a:extLst>
               <a:ext uri="{91240B29-F687-4f45-9708-019B960494DF}">
-                <a14:hiddenLine xmlns:a14="http://schemas.microsoft.com/office/drawing/2010/main" xmlns="" w="9525">
+                <a14:hiddenLine xmlns="" xmlns:a14="http://schemas.microsoft.com/office/drawing/2010/main" w="9525">
                   <a:solidFill>
                     <a:srgbClr val="000000"/>
                   </a:solidFill>
@@ -3671,7 +3671,7 @@
             </a:ln>
             <a:extLst>
               <a:ext uri="{91240B29-F687-4f45-9708-019B960494DF}">
-                <a14:hiddenLine xmlns:a14="http://schemas.microsoft.com/office/drawing/2010/main" xmlns="" w="9525">
+                <a14:hiddenLine xmlns="" xmlns:a14="http://schemas.microsoft.com/office/drawing/2010/main" w="9525">
                   <a:solidFill>
                     <a:srgbClr val="000000"/>
                   </a:solidFill>
@@ -3733,7 +3733,7 @@
             </a:ln>
             <a:extLst>
               <a:ext uri="{91240B29-F687-4f45-9708-019B960494DF}">
-                <a14:hiddenLine xmlns:a14="http://schemas.microsoft.com/office/drawing/2010/main" xmlns="" w="9525">
+                <a14:hiddenLine xmlns="" xmlns:a14="http://schemas.microsoft.com/office/drawing/2010/main" w="9525">
                   <a:solidFill>
                     <a:srgbClr val="000000"/>
                   </a:solidFill>
@@ -3823,7 +3823,7 @@
             </a:ln>
             <a:extLst>
               <a:ext uri="{91240B29-F687-4f45-9708-019B960494DF}">
-                <a14:hiddenLine xmlns:a14="http://schemas.microsoft.com/office/drawing/2010/main" xmlns="" w="9525">
+                <a14:hiddenLine xmlns="" xmlns:a14="http://schemas.microsoft.com/office/drawing/2010/main" w="9525">
                   <a:solidFill>
                     <a:srgbClr val="000000"/>
                   </a:solidFill>
@@ -3913,7 +3913,7 @@
             </a:ln>
             <a:extLst>
               <a:ext uri="{91240B29-F687-4f45-9708-019B960494DF}">
-                <a14:hiddenLine xmlns:a14="http://schemas.microsoft.com/office/drawing/2010/main" xmlns="" w="9525">
+                <a14:hiddenLine xmlns="" xmlns:a14="http://schemas.microsoft.com/office/drawing/2010/main" w="9525">
                   <a:solidFill>
                     <a:srgbClr val="000000"/>
                   </a:solidFill>
@@ -3975,7 +3975,7 @@
             </a:ln>
             <a:extLst>
               <a:ext uri="{91240B29-F687-4f45-9708-019B960494DF}">
-                <a14:hiddenLine xmlns:a14="http://schemas.microsoft.com/office/drawing/2010/main" xmlns="" w="9525">
+                <a14:hiddenLine xmlns="" xmlns:a14="http://schemas.microsoft.com/office/drawing/2010/main" w="9525">
                   <a:solidFill>
                     <a:srgbClr val="000000"/>
                   </a:solidFill>
@@ -4095,7 +4095,7 @@
             </a:ln>
             <a:extLst>
               <a:ext uri="{91240B29-F687-4f45-9708-019B960494DF}">
-                <a14:hiddenLine xmlns:a14="http://schemas.microsoft.com/office/drawing/2010/main" xmlns="" w="9525">
+                <a14:hiddenLine xmlns="" xmlns:a14="http://schemas.microsoft.com/office/drawing/2010/main" w="9525">
                   <a:solidFill>
                     <a:srgbClr val="000000"/>
                   </a:solidFill>
@@ -4163,7 +4163,7 @@
             </a:ln>
             <a:extLst>
               <a:ext uri="{91240B29-F687-4f45-9708-019B960494DF}">
-                <a14:hiddenLine xmlns:a14="http://schemas.microsoft.com/office/drawing/2010/main" xmlns="" w="9525">
+                <a14:hiddenLine xmlns="" xmlns:a14="http://schemas.microsoft.com/office/drawing/2010/main" w="9525">
                   <a:solidFill>
                     <a:srgbClr val="000000"/>
                   </a:solidFill>
@@ -4253,7 +4253,7 @@
             </a:ln>
             <a:extLst>
               <a:ext uri="{91240B29-F687-4f45-9708-019B960494DF}">
-                <a14:hiddenLine xmlns:a14="http://schemas.microsoft.com/office/drawing/2010/main" xmlns="" w="9525">
+                <a14:hiddenLine xmlns="" xmlns:a14="http://schemas.microsoft.com/office/drawing/2010/main" w="9525">
                   <a:solidFill>
                     <a:srgbClr val="000000"/>
                   </a:solidFill>
@@ -9060,7 +9060,7 @@
           <a:noFill/>
           <a:extLst>
             <a:ext uri="{909E8E84-426E-40dd-AFC4-6F175D3DCCD1}">
-              <a14:hiddenFill xmlns:a14="http://schemas.microsoft.com/office/drawing/2010/main" xmlns="">
+              <a14:hiddenFill xmlns="" xmlns:a14="http://schemas.microsoft.com/office/drawing/2010/main">
                 <a:solidFill>
                   <a:srgbClr val="FFFFFF"/>
                 </a:solidFill>
@@ -9134,7 +9134,7 @@
               </a:ln>
               <a:extLst>
                 <a:ext uri="{91240B29-F687-4f45-9708-019B960494DF}">
-                  <a14:hiddenLine xmlns:a14="http://schemas.microsoft.com/office/drawing/2010/main" xmlns="" w="9525">
+                  <a14:hiddenLine xmlns="" xmlns:a14="http://schemas.microsoft.com/office/drawing/2010/main" w="9525">
                     <a:solidFill>
                       <a:srgbClr val="000000"/>
                     </a:solidFill>
@@ -9224,7 +9224,7 @@
               </a:ln>
               <a:extLst>
                 <a:ext uri="{91240B29-F687-4f45-9708-019B960494DF}">
-                  <a14:hiddenLine xmlns:a14="http://schemas.microsoft.com/office/drawing/2010/main" xmlns="" w="9525">
+                  <a14:hiddenLine xmlns="" xmlns:a14="http://schemas.microsoft.com/office/drawing/2010/main" w="9525">
                     <a:solidFill>
                       <a:srgbClr val="000000"/>
                     </a:solidFill>
@@ -9314,7 +9314,7 @@
               </a:ln>
               <a:extLst>
                 <a:ext uri="{91240B29-F687-4f45-9708-019B960494DF}">
-                  <a14:hiddenLine xmlns:a14="http://schemas.microsoft.com/office/drawing/2010/main" xmlns="" w="9525">
+                  <a14:hiddenLine xmlns="" xmlns:a14="http://schemas.microsoft.com/office/drawing/2010/main" w="9525">
                     <a:solidFill>
                       <a:srgbClr val="000000"/>
                     </a:solidFill>
@@ -9376,7 +9376,7 @@
               </a:ln>
               <a:extLst>
                 <a:ext uri="{91240B29-F687-4f45-9708-019B960494DF}">
-                  <a14:hiddenLine xmlns:a14="http://schemas.microsoft.com/office/drawing/2010/main" xmlns="" w="9525">
+                  <a14:hiddenLine xmlns="" xmlns:a14="http://schemas.microsoft.com/office/drawing/2010/main" w="9525">
                     <a:solidFill>
                       <a:srgbClr val="000000"/>
                     </a:solidFill>
@@ -9466,7 +9466,7 @@
               </a:ln>
               <a:extLst>
                 <a:ext uri="{91240B29-F687-4f45-9708-019B960494DF}">
-                  <a14:hiddenLine xmlns:a14="http://schemas.microsoft.com/office/drawing/2010/main" xmlns="" w="9525">
+                  <a14:hiddenLine xmlns="" xmlns:a14="http://schemas.microsoft.com/office/drawing/2010/main" w="9525">
                     <a:solidFill>
                       <a:srgbClr val="000000"/>
                     </a:solidFill>
@@ -9528,7 +9528,7 @@
               </a:ln>
               <a:extLst>
                 <a:ext uri="{91240B29-F687-4f45-9708-019B960494DF}">
-                  <a14:hiddenLine xmlns:a14="http://schemas.microsoft.com/office/drawing/2010/main" xmlns="" w="9525">
+                  <a14:hiddenLine xmlns="" xmlns:a14="http://schemas.microsoft.com/office/drawing/2010/main" w="9525">
                     <a:solidFill>
                       <a:srgbClr val="000000"/>
                     </a:solidFill>
@@ -9590,7 +9590,7 @@
               </a:ln>
               <a:extLst>
                 <a:ext uri="{91240B29-F687-4f45-9708-019B960494DF}">
-                  <a14:hiddenLine xmlns:a14="http://schemas.microsoft.com/office/drawing/2010/main" xmlns="" w="9525">
+                  <a14:hiddenLine xmlns="" xmlns:a14="http://schemas.microsoft.com/office/drawing/2010/main" w="9525">
                     <a:solidFill>
                       <a:srgbClr val="000000"/>
                     </a:solidFill>
@@ -9680,7 +9680,7 @@
               </a:ln>
               <a:extLst>
                 <a:ext uri="{91240B29-F687-4f45-9708-019B960494DF}">
-                  <a14:hiddenLine xmlns:a14="http://schemas.microsoft.com/office/drawing/2010/main" xmlns="" w="9525">
+                  <a14:hiddenLine xmlns="" xmlns:a14="http://schemas.microsoft.com/office/drawing/2010/main" w="9525">
                     <a:solidFill>
                       <a:srgbClr val="000000"/>
                     </a:solidFill>
@@ -9770,7 +9770,7 @@
               </a:ln>
               <a:extLst>
                 <a:ext uri="{91240B29-F687-4f45-9708-019B960494DF}">
-                  <a14:hiddenLine xmlns:a14="http://schemas.microsoft.com/office/drawing/2010/main" xmlns="" w="9525">
+                  <a14:hiddenLine xmlns="" xmlns:a14="http://schemas.microsoft.com/office/drawing/2010/main" w="9525">
                     <a:solidFill>
                       <a:srgbClr val="000000"/>
                     </a:solidFill>
@@ -9832,7 +9832,7 @@
               </a:ln>
               <a:extLst>
                 <a:ext uri="{91240B29-F687-4f45-9708-019B960494DF}">
-                  <a14:hiddenLine xmlns:a14="http://schemas.microsoft.com/office/drawing/2010/main" xmlns="" w="9525">
+                  <a14:hiddenLine xmlns="" xmlns:a14="http://schemas.microsoft.com/office/drawing/2010/main" w="9525">
                     <a:solidFill>
                       <a:srgbClr val="000000"/>
                     </a:solidFill>
@@ -9942,7 +9942,7 @@
               </a:ln>
               <a:extLst>
                 <a:ext uri="{91240B29-F687-4f45-9708-019B960494DF}">
-                  <a14:hiddenLine xmlns:a14="http://schemas.microsoft.com/office/drawing/2010/main" xmlns="" w="9525">
+                  <a14:hiddenLine xmlns="" xmlns:a14="http://schemas.microsoft.com/office/drawing/2010/main" w="9525">
                     <a:solidFill>
                       <a:srgbClr val="000000"/>
                     </a:solidFill>
@@ -10026,7 +10026,7 @@
               </a:ln>
               <a:extLst>
                 <a:ext uri="{91240B29-F687-4f45-9708-019B960494DF}">
-                  <a14:hiddenLine xmlns:a14="http://schemas.microsoft.com/office/drawing/2010/main" xmlns="" w="9525">
+                  <a14:hiddenLine xmlns="" xmlns:a14="http://schemas.microsoft.com/office/drawing/2010/main" w="9525">
                     <a:solidFill>
                       <a:srgbClr val="000000"/>
                     </a:solidFill>
@@ -10088,7 +10088,7 @@
               </a:ln>
               <a:extLst>
                 <a:ext uri="{91240B29-F687-4f45-9708-019B960494DF}">
-                  <a14:hiddenLine xmlns:a14="http://schemas.microsoft.com/office/drawing/2010/main" xmlns="" w="9525">
+                  <a14:hiddenLine xmlns="" xmlns:a14="http://schemas.microsoft.com/office/drawing/2010/main" w="9525">
                     <a:solidFill>
                       <a:srgbClr val="000000"/>
                     </a:solidFill>
@@ -10150,7 +10150,7 @@
               </a:ln>
               <a:extLst>
                 <a:ext uri="{91240B29-F687-4f45-9708-019B960494DF}">
-                  <a14:hiddenLine xmlns:a14="http://schemas.microsoft.com/office/drawing/2010/main" xmlns="" w="9525">
+                  <a14:hiddenLine xmlns="" xmlns:a14="http://schemas.microsoft.com/office/drawing/2010/main" w="9525">
                     <a:solidFill>
                       <a:srgbClr val="000000"/>
                     </a:solidFill>
@@ -10240,7 +10240,7 @@
               </a:ln>
               <a:extLst>
                 <a:ext uri="{91240B29-F687-4f45-9708-019B960494DF}">
-                  <a14:hiddenLine xmlns:a14="http://schemas.microsoft.com/office/drawing/2010/main" xmlns="" w="9525">
+                  <a14:hiddenLine xmlns="" xmlns:a14="http://schemas.microsoft.com/office/drawing/2010/main" w="9525">
                     <a:solidFill>
                       <a:srgbClr val="000000"/>
                     </a:solidFill>
@@ -10274,7 +10274,7 @@
               </a:ln>
               <a:extLst>
                 <a:ext uri="{91240B29-F687-4f45-9708-019B960494DF}">
-                  <a14:hiddenLine xmlns:a14="http://schemas.microsoft.com/office/drawing/2010/main" xmlns="" w="9525">
+                  <a14:hiddenLine xmlns="" xmlns:a14="http://schemas.microsoft.com/office/drawing/2010/main" w="9525">
                     <a:solidFill>
                       <a:srgbClr val="000000"/>
                     </a:solidFill>
@@ -10339,7 +10339,7 @@
               </a:ln>
               <a:extLst>
                 <a:ext uri="{91240B29-F687-4f45-9708-019B960494DF}">
-                  <a14:hiddenLine xmlns:a14="http://schemas.microsoft.com/office/drawing/2010/main" xmlns="" w="9525">
+                  <a14:hiddenLine xmlns="" xmlns:a14="http://schemas.microsoft.com/office/drawing/2010/main" w="9525">
                     <a:solidFill>
                       <a:srgbClr val="000000"/>
                     </a:solidFill>
@@ -10429,7 +10429,7 @@
               </a:ln>
               <a:extLst>
                 <a:ext uri="{91240B29-F687-4f45-9708-019B960494DF}">
-                  <a14:hiddenLine xmlns:a14="http://schemas.microsoft.com/office/drawing/2010/main" xmlns="" w="9525">
+                  <a14:hiddenLine xmlns="" xmlns:a14="http://schemas.microsoft.com/office/drawing/2010/main" w="9525">
                     <a:solidFill>
                       <a:srgbClr val="000000"/>
                     </a:solidFill>
@@ -10491,7 +10491,7 @@
               </a:ln>
               <a:extLst>
                 <a:ext uri="{91240B29-F687-4f45-9708-019B960494DF}">
-                  <a14:hiddenLine xmlns:a14="http://schemas.microsoft.com/office/drawing/2010/main" xmlns="" w="9525">
+                  <a14:hiddenLine xmlns="" xmlns:a14="http://schemas.microsoft.com/office/drawing/2010/main" w="9525">
                     <a:solidFill>
                       <a:srgbClr val="000000"/>
                     </a:solidFill>
@@ -10581,7 +10581,7 @@
               </a:ln>
               <a:extLst>
                 <a:ext uri="{91240B29-F687-4f45-9708-019B960494DF}">
-                  <a14:hiddenLine xmlns:a14="http://schemas.microsoft.com/office/drawing/2010/main" xmlns="" w="9525">
+                  <a14:hiddenLine xmlns="" xmlns:a14="http://schemas.microsoft.com/office/drawing/2010/main" w="9525">
                     <a:solidFill>
                       <a:srgbClr val="000000"/>
                     </a:solidFill>
@@ -10646,7 +10646,7 @@
               </a:ln>
               <a:extLst>
                 <a:ext uri="{91240B29-F687-4f45-9708-019B960494DF}">
-                  <a14:hiddenLine xmlns:a14="http://schemas.microsoft.com/office/drawing/2010/main" xmlns="" w="9525">
+                  <a14:hiddenLine xmlns="" xmlns:a14="http://schemas.microsoft.com/office/drawing/2010/main" w="9525">
                     <a:solidFill>
                       <a:srgbClr val="000000"/>
                     </a:solidFill>
@@ -10708,7 +10708,7 @@
               </a:ln>
               <a:extLst>
                 <a:ext uri="{91240B29-F687-4f45-9708-019B960494DF}">
-                  <a14:hiddenLine xmlns:a14="http://schemas.microsoft.com/office/drawing/2010/main" xmlns="" w="9525">
+                  <a14:hiddenLine xmlns="" xmlns:a14="http://schemas.microsoft.com/office/drawing/2010/main" w="9525">
                     <a:solidFill>
                       <a:srgbClr val="000000"/>
                     </a:solidFill>
@@ -10798,7 +10798,7 @@
               </a:ln>
               <a:extLst>
                 <a:ext uri="{91240B29-F687-4f45-9708-019B960494DF}">
-                  <a14:hiddenLine xmlns:a14="http://schemas.microsoft.com/office/drawing/2010/main" xmlns="" w="9525">
+                  <a14:hiddenLine xmlns="" xmlns:a14="http://schemas.microsoft.com/office/drawing/2010/main" w="9525">
                     <a:solidFill>
                       <a:srgbClr val="000000"/>
                     </a:solidFill>
@@ -10888,7 +10888,7 @@
               </a:ln>
               <a:extLst>
                 <a:ext uri="{91240B29-F687-4f45-9708-019B960494DF}">
-                  <a14:hiddenLine xmlns:a14="http://schemas.microsoft.com/office/drawing/2010/main" xmlns="" w="9525">
+                  <a14:hiddenLine xmlns="" xmlns:a14="http://schemas.microsoft.com/office/drawing/2010/main" w="9525">
                     <a:solidFill>
                       <a:srgbClr val="000000"/>
                     </a:solidFill>
@@ -10953,7 +10953,7 @@
               </a:ln>
               <a:extLst>
                 <a:ext uri="{91240B29-F687-4f45-9708-019B960494DF}">
-                  <a14:hiddenLine xmlns:a14="http://schemas.microsoft.com/office/drawing/2010/main" xmlns="" w="9525">
+                  <a14:hiddenLine xmlns="" xmlns:a14="http://schemas.microsoft.com/office/drawing/2010/main" w="9525">
                     <a:solidFill>
                       <a:srgbClr val="000000"/>
                     </a:solidFill>
@@ -11073,7 +11073,7 @@
               </a:ln>
               <a:extLst>
                 <a:ext uri="{91240B29-F687-4f45-9708-019B960494DF}">
-                  <a14:hiddenLine xmlns:a14="http://schemas.microsoft.com/office/drawing/2010/main" xmlns="" w="9525">
+                  <a14:hiddenLine xmlns="" xmlns:a14="http://schemas.microsoft.com/office/drawing/2010/main" w="9525">
                     <a:solidFill>
                       <a:srgbClr val="000000"/>
                     </a:solidFill>
@@ -11171,7 +11171,7 @@
               </a:ln>
               <a:extLst>
                 <a:ext uri="{91240B29-F687-4f45-9708-019B960494DF}">
-                  <a14:hiddenLine xmlns:a14="http://schemas.microsoft.com/office/drawing/2010/main" xmlns="" w="9525">
+                  <a14:hiddenLine xmlns="" xmlns:a14="http://schemas.microsoft.com/office/drawing/2010/main" w="9525">
                     <a:solidFill>
                       <a:srgbClr val="000000"/>
                     </a:solidFill>
@@ -11286,7 +11286,7 @@
               </a:ln>
               <a:extLst>
                 <a:ext uri="{91240B29-F687-4f45-9708-019B960494DF}">
-                  <a14:hiddenLine xmlns:a14="http://schemas.microsoft.com/office/drawing/2010/main" xmlns="" w="9525">
+                  <a14:hiddenLine xmlns="" xmlns:a14="http://schemas.microsoft.com/office/drawing/2010/main" w="9525">
                     <a:solidFill>
                       <a:srgbClr val="000000"/>
                     </a:solidFill>
@@ -11376,7 +11376,7 @@
               </a:ln>
               <a:extLst>
                 <a:ext uri="{91240B29-F687-4f45-9708-019B960494DF}">
-                  <a14:hiddenLine xmlns:a14="http://schemas.microsoft.com/office/drawing/2010/main" xmlns="" w="9525">
+                  <a14:hiddenLine xmlns="" xmlns:a14="http://schemas.microsoft.com/office/drawing/2010/main" w="9525">
                     <a:solidFill>
                       <a:srgbClr val="000000"/>
                     </a:solidFill>
@@ -11441,7 +11441,7 @@
               </a:ln>
               <a:extLst>
                 <a:ext uri="{91240B29-F687-4f45-9708-019B960494DF}">
-                  <a14:hiddenLine xmlns:a14="http://schemas.microsoft.com/office/drawing/2010/main" xmlns="" w="9525">
+                  <a14:hiddenLine xmlns="" xmlns:a14="http://schemas.microsoft.com/office/drawing/2010/main" w="9525">
                     <a:solidFill>
                       <a:srgbClr val="000000"/>
                     </a:solidFill>
@@ -11531,7 +11531,7 @@
               </a:ln>
               <a:extLst>
                 <a:ext uri="{91240B29-F687-4f45-9708-019B960494DF}">
-                  <a14:hiddenLine xmlns:a14="http://schemas.microsoft.com/office/drawing/2010/main" xmlns="" w="9525">
+                  <a14:hiddenLine xmlns="" xmlns:a14="http://schemas.microsoft.com/office/drawing/2010/main" w="9525">
                     <a:solidFill>
                       <a:srgbClr val="000000"/>
                     </a:solidFill>
@@ -11599,7 +11599,7 @@
               </a:ln>
               <a:extLst>
                 <a:ext uri="{91240B29-F687-4f45-9708-019B960494DF}">
-                  <a14:hiddenLine xmlns:a14="http://schemas.microsoft.com/office/drawing/2010/main" xmlns="" w="9525">
+                  <a14:hiddenLine xmlns="" xmlns:a14="http://schemas.microsoft.com/office/drawing/2010/main" w="9525">
                     <a:solidFill>
                       <a:srgbClr val="000000"/>
                     </a:solidFill>
@@ -11689,7 +11689,7 @@
               </a:ln>
               <a:extLst>
                 <a:ext uri="{91240B29-F687-4f45-9708-019B960494DF}">
-                  <a14:hiddenLine xmlns:a14="http://schemas.microsoft.com/office/drawing/2010/main" xmlns="" w="9525">
+                  <a14:hiddenLine xmlns="" xmlns:a14="http://schemas.microsoft.com/office/drawing/2010/main" w="9525">
                     <a:solidFill>
                       <a:srgbClr val="000000"/>
                     </a:solidFill>
@@ -11757,7 +11757,7 @@
               </a:ln>
               <a:extLst>
                 <a:ext uri="{91240B29-F687-4f45-9708-019B960494DF}">
-                  <a14:hiddenLine xmlns:a14="http://schemas.microsoft.com/office/drawing/2010/main" xmlns="" w="9525">
+                  <a14:hiddenLine xmlns="" xmlns:a14="http://schemas.microsoft.com/office/drawing/2010/main" w="9525">
                     <a:solidFill>
                       <a:srgbClr val="000000"/>
                     </a:solidFill>
@@ -11847,7 +11847,7 @@
               </a:ln>
               <a:extLst>
                 <a:ext uri="{91240B29-F687-4f45-9708-019B960494DF}">
-                  <a14:hiddenLine xmlns:a14="http://schemas.microsoft.com/office/drawing/2010/main" xmlns="" w="9525">
+                  <a14:hiddenLine xmlns="" xmlns:a14="http://schemas.microsoft.com/office/drawing/2010/main" w="9525">
                     <a:solidFill>
                       <a:srgbClr val="000000"/>
                     </a:solidFill>
@@ -11881,7 +11881,7 @@
               </a:ln>
               <a:extLst>
                 <a:ext uri="{91240B29-F687-4f45-9708-019B960494DF}">
-                  <a14:hiddenLine xmlns:a14="http://schemas.microsoft.com/office/drawing/2010/main" xmlns="" w="9525">
+                  <a14:hiddenLine xmlns="" xmlns:a14="http://schemas.microsoft.com/office/drawing/2010/main" w="9525">
                     <a:solidFill>
                       <a:srgbClr val="000000"/>
                     </a:solidFill>
@@ -16508,7 +16508,7 @@
                                     </p:set>
                                     <p:animEffect transition="in" filter="wipe(down)">
                                       <p:cBhvr>
-                                        <p:cTn id="7" dur="500"/>
+                                        <p:cTn id="7" dur="1000"/>
                                         <p:tgtEl>
                                           <p:spTgt spid="42"/>
                                         </p:tgtEl>
@@ -16523,7 +16523,7 @@
                         <p:par>
                           <p:cTn id="8" fill="hold">
                             <p:stCondLst>
-                              <p:cond delay="500"/>
+                              <p:cond delay="1000"/>
                             </p:stCondLst>
                             <p:childTnLst>
                               <p:par>
@@ -16555,7 +16555,7 @@
                                     </p:set>
                                     <p:animEffect transition="in" filter="fade">
                                       <p:cBhvr>
-                                        <p:cTn id="11" dur="500"/>
+                                        <p:cTn id="11" dur="1000"/>
                                         <p:tgtEl>
                                           <p:spTgt spid="3"/>
                                         </p:tgtEl>
@@ -16570,7 +16570,7 @@
                         <p:par>
                           <p:cTn id="12" fill="hold">
                             <p:stCondLst>
-                              <p:cond delay="1000"/>
+                              <p:cond delay="2000"/>
                             </p:stCondLst>
                             <p:childTnLst>
                               <p:par>
@@ -16602,7 +16602,7 @@
                                     </p:set>
                                     <p:animEffect transition="in" filter="fade">
                                       <p:cBhvr>
-                                        <p:cTn id="15" dur="500"/>
+                                        <p:cTn id="15" dur="1000"/>
                                         <p:tgtEl>
                                           <p:spTgt spid="9"/>
                                         </p:tgtEl>
@@ -16617,7 +16617,7 @@
                         <p:par>
                           <p:cTn id="16" fill="hold">
                             <p:stCondLst>
-                              <p:cond delay="1500"/>
+                              <p:cond delay="3000"/>
                             </p:stCondLst>
                             <p:childTnLst>
                               <p:par>
@@ -16649,7 +16649,7 @@
                                     </p:set>
                                     <p:animEffect transition="in" filter="fade">
                                       <p:cBhvr>
-                                        <p:cTn id="19" dur="500"/>
+                                        <p:cTn id="19" dur="1000"/>
                                         <p:tgtEl>
                                           <p:spTgt spid="11"/>
                                         </p:tgtEl>
@@ -16664,7 +16664,7 @@
                         <p:par>
                           <p:cTn id="20" fill="hold">
                             <p:stCondLst>
-                              <p:cond delay="2000"/>
+                              <p:cond delay="4000"/>
                             </p:stCondLst>
                             <p:childTnLst>
                               <p:par>
@@ -16696,7 +16696,7 @@
                                     </p:set>
                                     <p:animEffect transition="in" filter="fade">
                                       <p:cBhvr>
-                                        <p:cTn id="23" dur="500"/>
+                                        <p:cTn id="23" dur="1000"/>
                                         <p:tgtEl>
                                           <p:spTgt spid="12"/>
                                         </p:tgtEl>
@@ -16711,7 +16711,7 @@
                         <p:par>
                           <p:cTn id="24" fill="hold">
                             <p:stCondLst>
-                              <p:cond delay="2500"/>
+                              <p:cond delay="5000"/>
                             </p:stCondLst>
                             <p:childTnLst>
                               <p:par>
@@ -16743,7 +16743,7 @@
                                     </p:set>
                                     <p:animEffect transition="in" filter="fade">
                                       <p:cBhvr>
-                                        <p:cTn id="27" dur="500"/>
+                                        <p:cTn id="27" dur="1000"/>
                                         <p:tgtEl>
                                           <p:spTgt spid="13"/>
                                         </p:tgtEl>
@@ -16758,7 +16758,7 @@
                         <p:par>
                           <p:cTn id="28" fill="hold">
                             <p:stCondLst>
-                              <p:cond delay="3000"/>
+                              <p:cond delay="6000"/>
                             </p:stCondLst>
                             <p:childTnLst>
                               <p:par>
@@ -16790,7 +16790,7 @@
                                     </p:set>
                                     <p:animEffect transition="in" filter="fade">
                                       <p:cBhvr>
-                                        <p:cTn id="31" dur="500"/>
+                                        <p:cTn id="31" dur="1000"/>
                                         <p:tgtEl>
                                           <p:spTgt spid="14"/>
                                         </p:tgtEl>
@@ -16805,7 +16805,7 @@
                         <p:par>
                           <p:cTn id="32" fill="hold">
                             <p:stCondLst>
-                              <p:cond delay="3550"/>
+                              <p:cond delay="7100"/>
                             </p:stCondLst>
                             <p:childTnLst>
                               <p:par>
@@ -16837,7 +16837,7 @@
                                     </p:set>
                                     <p:animEffect transition="in" filter="fade">
                                       <p:cBhvr>
-                                        <p:cTn id="35" dur="500"/>
+                                        <p:cTn id="35" dur="1000"/>
                                         <p:tgtEl>
                                           <p:spTgt spid="15"/>
                                         </p:tgtEl>
@@ -16852,7 +16852,7 @@
                         <p:par>
                           <p:cTn id="36" fill="hold">
                             <p:stCondLst>
-                              <p:cond delay="4100"/>
+                              <p:cond delay="8200"/>
                             </p:stCondLst>
                             <p:childTnLst>
                               <p:par>
@@ -16884,7 +16884,7 @@
                                     </p:set>
                                     <p:animEffect transition="in" filter="fade">
                                       <p:cBhvr>
-                                        <p:cTn id="39" dur="500"/>
+                                        <p:cTn id="39" dur="1000"/>
                                         <p:tgtEl>
                                           <p:spTgt spid="19"/>
                                         </p:tgtEl>
@@ -16899,7 +16899,7 @@
                         <p:par>
                           <p:cTn id="40" fill="hold">
                             <p:stCondLst>
-                              <p:cond delay="4650"/>
+                              <p:cond delay="9300"/>
                             </p:stCondLst>
                             <p:childTnLst>
                               <p:par>
@@ -16931,7 +16931,7 @@
                                     </p:set>
                                     <p:animEffect transition="in" filter="fade">
                                       <p:cBhvr>
-                                        <p:cTn id="43" dur="500"/>
+                                        <p:cTn id="43" dur="1000"/>
                                         <p:tgtEl>
                                           <p:spTgt spid="22"/>
                                         </p:tgtEl>
@@ -16946,7 +16946,7 @@
                         <p:par>
                           <p:cTn id="44" fill="hold">
                             <p:stCondLst>
-                              <p:cond delay="5200"/>
+                              <p:cond delay="10400"/>
                             </p:stCondLst>
                             <p:childTnLst>
                               <p:par>
@@ -16978,7 +16978,7 @@
                                     </p:set>
                                     <p:animEffect transition="in" filter="fade">
                                       <p:cBhvr>
-                                        <p:cTn id="47" dur="500"/>
+                                        <p:cTn id="47" dur="1000"/>
                                         <p:tgtEl>
                                           <p:spTgt spid="23"/>
                                         </p:tgtEl>
@@ -16993,7 +16993,7 @@
                         <p:par>
                           <p:cTn id="48" fill="hold">
                             <p:stCondLst>
-                              <p:cond delay="5750"/>
+                              <p:cond delay="11500"/>
                             </p:stCondLst>
                             <p:childTnLst>
                               <p:par>
@@ -17025,7 +17025,7 @@
                                     </p:set>
                                     <p:animEffect transition="in" filter="fade">
                                       <p:cBhvr>
-                                        <p:cTn id="51" dur="500"/>
+                                        <p:cTn id="51" dur="1000"/>
                                         <p:tgtEl>
                                           <p:spTgt spid="32"/>
                                         </p:tgtEl>
@@ -17040,7 +17040,7 @@
                         <p:par>
                           <p:cTn id="52" fill="hold">
                             <p:stCondLst>
-                              <p:cond delay="6250"/>
+                              <p:cond delay="12500"/>
                             </p:stCondLst>
                             <p:childTnLst>
                               <p:par>
@@ -17072,7 +17072,7 @@
                                     </p:set>
                                     <p:animEffect transition="in" filter="fade">
                                       <p:cBhvr>
-                                        <p:cTn id="55" dur="500"/>
+                                        <p:cTn id="55" dur="1000"/>
                                         <p:tgtEl>
                                           <p:spTgt spid="35"/>
                                         </p:tgtEl>
@@ -17087,7 +17087,7 @@
                         <p:par>
                           <p:cTn id="56" fill="hold">
                             <p:stCondLst>
-                              <p:cond delay="6750"/>
+                              <p:cond delay="13500"/>
                             </p:stCondLst>
                             <p:childTnLst>
                               <p:par>
@@ -17119,7 +17119,7 @@
                                     </p:set>
                                     <p:animEffect transition="in" filter="fade">
                                       <p:cBhvr>
-                                        <p:cTn id="59" dur="500"/>
+                                        <p:cTn id="59" dur="1000"/>
                                         <p:tgtEl>
                                           <p:spTgt spid="38"/>
                                         </p:tgtEl>
@@ -17134,7 +17134,7 @@
                         <p:par>
                           <p:cTn id="60" fill="hold">
                             <p:stCondLst>
-                              <p:cond delay="7250"/>
+                              <p:cond delay="14500"/>
                             </p:stCondLst>
                             <p:childTnLst>
                               <p:par>
@@ -17166,7 +17166,7 @@
                                     </p:set>
                                     <p:animEffect transition="in" filter="fade">
                                       <p:cBhvr>
-                                        <p:cTn id="63" dur="500"/>
+                                        <p:cTn id="63" dur="1000"/>
                                         <p:tgtEl>
                                           <p:spTgt spid="40"/>
                                         </p:tgtEl>
@@ -17181,7 +17181,7 @@
                         <p:par>
                           <p:cTn id="64" fill="hold">
                             <p:stCondLst>
-                              <p:cond delay="7750"/>
+                              <p:cond delay="15500"/>
                             </p:stCondLst>
                             <p:childTnLst>
                               <p:par>
@@ -17213,7 +17213,7 @@
                                     </p:set>
                                     <p:animEffect transition="in" filter="fade">
                                       <p:cBhvr>
-                                        <p:cTn id="67" dur="500"/>
+                                        <p:cTn id="67" dur="1000"/>
                                         <p:tgtEl>
                                           <p:spTgt spid="41"/>
                                         </p:tgtEl>
@@ -17228,7 +17228,7 @@
                         <p:par>
                           <p:cTn id="68" fill="hold">
                             <p:stCondLst>
-                              <p:cond delay="8300"/>
+                              <p:cond delay="16600"/>
                             </p:stCondLst>
                             <p:childTnLst>
                               <p:par>
@@ -17260,7 +17260,7 @@
                                     </p:set>
                                     <p:animEffect transition="in" filter="fade">
                                       <p:cBhvr>
-                                        <p:cTn id="71" dur="500"/>
+                                        <p:cTn id="71" dur="1000"/>
                                         <p:tgtEl>
                                           <p:spTgt spid="39"/>
                                         </p:tgtEl>
@@ -17275,7 +17275,7 @@
                         <p:par>
                           <p:cTn id="72" fill="hold">
                             <p:stCondLst>
-                              <p:cond delay="8850"/>
+                              <p:cond delay="17700"/>
                             </p:stCondLst>
                             <p:childTnLst>
                               <p:par>
@@ -17307,7 +17307,7 @@
                                     </p:set>
                                     <p:animEffect transition="in" filter="fade">
                                       <p:cBhvr>
-                                        <p:cTn id="75" dur="500"/>
+                                        <p:cTn id="75" dur="1000"/>
                                         <p:tgtEl>
                                           <p:spTgt spid="36"/>
                                         </p:tgtEl>
@@ -17322,7 +17322,7 @@
                         <p:par>
                           <p:cTn id="76" fill="hold">
                             <p:stCondLst>
-                              <p:cond delay="9400"/>
+                              <p:cond delay="18800"/>
                             </p:stCondLst>
                             <p:childTnLst>
                               <p:par>
@@ -17354,7 +17354,7 @@
                                     </p:set>
                                     <p:animEffect transition="in" filter="fade">
                                       <p:cBhvr>
-                                        <p:cTn id="79" dur="500"/>
+                                        <p:cTn id="79" dur="1000"/>
                                         <p:tgtEl>
                                           <p:spTgt spid="33"/>
                                         </p:tgtEl>
@@ -17369,7 +17369,7 @@
                         <p:par>
                           <p:cTn id="80" fill="hold">
                             <p:stCondLst>
-                              <p:cond delay="9950"/>
+                              <p:cond delay="19900"/>
                             </p:stCondLst>
                             <p:childTnLst>
                               <p:par>
@@ -17398,7 +17398,7 @@
                                     </p:set>
                                     <p:animEffect transition="in" filter="wipe(up)">
                                       <p:cBhvr>
-                                        <p:cTn id="83" dur="500"/>
+                                        <p:cTn id="83" dur="1000"/>
                                         <p:tgtEl>
                                           <p:spTgt spid="43"/>
                                         </p:tgtEl>
@@ -23518,17 +23518,7 @@
                 <a:latin typeface="Calibri" panose="020F0502020204030204" pitchFamily="34" charset="0"/>
                 <a:cs typeface="Calibri" panose="020F0502020204030204" pitchFamily="34" charset="0"/>
               </a:rPr>
-              <a:t> </a:t>
-            </a:r>
-            <a:r>
-              <a:rPr lang="en-US" sz="2400" dirty="0" smtClean="0">
-                <a:solidFill>
-                  <a:schemeClr val="bg2"/>
-                </a:solidFill>
-                <a:latin typeface="Calibri" panose="020F0502020204030204" pitchFamily="34" charset="0"/>
-                <a:cs typeface="Calibri" panose="020F0502020204030204" pitchFamily="34" charset="0"/>
-              </a:rPr>
-              <a:t>result</a:t>
+              <a:t> result</a:t>
             </a:r>
             <a:endParaRPr lang="uk-UA" sz="2400" dirty="0">
               <a:solidFill>
